--- a/image/betl_overview.pptx
+++ b/image/betl_overview.pptx
@@ -7,8 +7,9 @@
   <p:sldIdLst>
     <p:sldId id="256" r:id="rId2"/>
     <p:sldId id="257" r:id="rId3"/>
-    <p:sldId id="258" r:id="rId4"/>
-    <p:sldId id="259" r:id="rId5"/>
+    <p:sldId id="260" r:id="rId4"/>
+    <p:sldId id="258" r:id="rId5"/>
+    <p:sldId id="259" r:id="rId6"/>
   </p:sldIdLst>
   <p:sldSz cx="12192000" cy="6858000"/>
   <p:notesSz cx="6858000" cy="9144000"/>
@@ -107,6 +108,11 @@
       </a:defRPr>
     </a:lvl9pPr>
   </p:defaultTextStyle>
+  <p:extLst>
+    <p:ext uri="{EFAFB233-063F-42B5-8137-9DF3F51BA10A}">
+      <p15:sldGuideLst xmlns:p15="http://schemas.microsoft.com/office/powerpoint/2012/main"/>
+    </p:ext>
+  </p:extLst>
 </p:presentation>
 </file>
 
@@ -259,7 +265,7 @@
           <a:p>
             <a:fld id="{1719DC78-B2E2-489A-B4DC-503C173C394C}" type="datetimeFigureOut">
               <a:rPr lang="en-NL" smtClean="0"/>
-              <a:t>18/03/2021</a:t>
+              <a:t>23/03/2021</a:t>
             </a:fld>
             <a:endParaRPr lang="en-NL"/>
           </a:p>
@@ -459,7 +465,7 @@
           <a:p>
             <a:fld id="{1719DC78-B2E2-489A-B4DC-503C173C394C}" type="datetimeFigureOut">
               <a:rPr lang="en-NL" smtClean="0"/>
-              <a:t>18/03/2021</a:t>
+              <a:t>23/03/2021</a:t>
             </a:fld>
             <a:endParaRPr lang="en-NL"/>
           </a:p>
@@ -669,7 +675,7 @@
           <a:p>
             <a:fld id="{1719DC78-B2E2-489A-B4DC-503C173C394C}" type="datetimeFigureOut">
               <a:rPr lang="en-NL" smtClean="0"/>
-              <a:t>18/03/2021</a:t>
+              <a:t>23/03/2021</a:t>
             </a:fld>
             <a:endParaRPr lang="en-NL"/>
           </a:p>
@@ -869,7 +875,7 @@
           <a:p>
             <a:fld id="{1719DC78-B2E2-489A-B4DC-503C173C394C}" type="datetimeFigureOut">
               <a:rPr lang="en-NL" smtClean="0"/>
-              <a:t>18/03/2021</a:t>
+              <a:t>23/03/2021</a:t>
             </a:fld>
             <a:endParaRPr lang="en-NL"/>
           </a:p>
@@ -1145,7 +1151,7 @@
           <a:p>
             <a:fld id="{1719DC78-B2E2-489A-B4DC-503C173C394C}" type="datetimeFigureOut">
               <a:rPr lang="en-NL" smtClean="0"/>
-              <a:t>18/03/2021</a:t>
+              <a:t>23/03/2021</a:t>
             </a:fld>
             <a:endParaRPr lang="en-NL"/>
           </a:p>
@@ -1413,7 +1419,7 @@
           <a:p>
             <a:fld id="{1719DC78-B2E2-489A-B4DC-503C173C394C}" type="datetimeFigureOut">
               <a:rPr lang="en-NL" smtClean="0"/>
-              <a:t>18/03/2021</a:t>
+              <a:t>23/03/2021</a:t>
             </a:fld>
             <a:endParaRPr lang="en-NL"/>
           </a:p>
@@ -1828,7 +1834,7 @@
           <a:p>
             <a:fld id="{1719DC78-B2E2-489A-B4DC-503C173C394C}" type="datetimeFigureOut">
               <a:rPr lang="en-NL" smtClean="0"/>
-              <a:t>18/03/2021</a:t>
+              <a:t>23/03/2021</a:t>
             </a:fld>
             <a:endParaRPr lang="en-NL"/>
           </a:p>
@@ -1970,7 +1976,7 @@
           <a:p>
             <a:fld id="{1719DC78-B2E2-489A-B4DC-503C173C394C}" type="datetimeFigureOut">
               <a:rPr lang="en-NL" smtClean="0"/>
-              <a:t>18/03/2021</a:t>
+              <a:t>23/03/2021</a:t>
             </a:fld>
             <a:endParaRPr lang="en-NL"/>
           </a:p>
@@ -2083,7 +2089,7 @@
           <a:p>
             <a:fld id="{1719DC78-B2E2-489A-B4DC-503C173C394C}" type="datetimeFigureOut">
               <a:rPr lang="en-NL" smtClean="0"/>
-              <a:t>18/03/2021</a:t>
+              <a:t>23/03/2021</a:t>
             </a:fld>
             <a:endParaRPr lang="en-NL"/>
           </a:p>
@@ -2396,7 +2402,7 @@
           <a:p>
             <a:fld id="{1719DC78-B2E2-489A-B4DC-503C173C394C}" type="datetimeFigureOut">
               <a:rPr lang="en-NL" smtClean="0"/>
-              <a:t>18/03/2021</a:t>
+              <a:t>23/03/2021</a:t>
             </a:fld>
             <a:endParaRPr lang="en-NL"/>
           </a:p>
@@ -2685,7 +2691,7 @@
           <a:p>
             <a:fld id="{1719DC78-B2E2-489A-B4DC-503C173C394C}" type="datetimeFigureOut">
               <a:rPr lang="en-NL" smtClean="0"/>
-              <a:t>18/03/2021</a:t>
+              <a:t>23/03/2021</a:t>
             </a:fld>
             <a:endParaRPr lang="en-NL"/>
           </a:p>
@@ -2928,7 +2934,7 @@
           <a:p>
             <a:fld id="{1719DC78-B2E2-489A-B4DC-503C173C394C}" type="datetimeFigureOut">
               <a:rPr lang="en-NL" smtClean="0"/>
-              <a:t>18/03/2021</a:t>
+              <a:t>23/03/2021</a:t>
             </a:fld>
             <a:endParaRPr lang="en-NL"/>
           </a:p>
@@ -7139,6 +7145,175 @@
       </p:grpSpPr>
       <p:sp>
         <p:nvSpPr>
+          <p:cNvPr id="4" name="Rechthoek 8">
+            <a:extLst>
+              <a:ext uri="{FF2B5EF4-FFF2-40B4-BE49-F238E27FC236}">
+                <a16:creationId xmlns:a16="http://schemas.microsoft.com/office/drawing/2014/main" id="{E28F1407-8CDB-4223-9E0F-D32F5DCFD014}"/>
+              </a:ext>
+            </a:extLst>
+          </p:cNvPr>
+          <p:cNvSpPr/>
+          <p:nvPr/>
+        </p:nvSpPr>
+        <p:spPr>
+          <a:xfrm>
+            <a:off x="365631" y="537054"/>
+            <a:ext cx="4298731" cy="3741683"/>
+          </a:xfrm>
+          <a:prstGeom prst="rect">
+            <a:avLst/>
+          </a:prstGeom>
+          <a:solidFill>
+            <a:schemeClr val="accent1">
+              <a:lumMod val="20000"/>
+              <a:lumOff val="80000"/>
+            </a:schemeClr>
+          </a:solidFill>
+        </p:spPr>
+        <p:style>
+          <a:lnRef idx="2">
+            <a:schemeClr val="accent1">
+              <a:shade val="50000"/>
+            </a:schemeClr>
+          </a:lnRef>
+          <a:fillRef idx="1">
+            <a:schemeClr val="accent1"/>
+          </a:fillRef>
+          <a:effectRef idx="0">
+            <a:schemeClr val="accent1"/>
+          </a:effectRef>
+          <a:fontRef idx="minor">
+            <a:schemeClr val="lt1"/>
+          </a:fontRef>
+        </p:style>
+        <p:txBody>
+          <a:bodyPr rtlCol="0" anchor="t" anchorCtr="0"/>
+          <a:lstStyle>
+            <a:defPPr>
+              <a:defRPr lang="nl-NL"/>
+            </a:defPPr>
+            <a:lvl1pPr marL="0" algn="l" defTabSz="914400" rtl="0" eaLnBrk="1" latinLnBrk="0" hangingPunct="1">
+              <a:defRPr sz="1800" kern="1200">
+                <a:solidFill>
+                  <a:schemeClr val="lt1"/>
+                </a:solidFill>
+                <a:latin typeface="+mn-lt"/>
+                <a:ea typeface="+mn-ea"/>
+                <a:cs typeface="+mn-cs"/>
+              </a:defRPr>
+            </a:lvl1pPr>
+            <a:lvl2pPr marL="457200" algn="l" defTabSz="914400" rtl="0" eaLnBrk="1" latinLnBrk="0" hangingPunct="1">
+              <a:defRPr sz="1800" kern="1200">
+                <a:solidFill>
+                  <a:schemeClr val="lt1"/>
+                </a:solidFill>
+                <a:latin typeface="+mn-lt"/>
+                <a:ea typeface="+mn-ea"/>
+                <a:cs typeface="+mn-cs"/>
+              </a:defRPr>
+            </a:lvl2pPr>
+            <a:lvl3pPr marL="914400" algn="l" defTabSz="914400" rtl="0" eaLnBrk="1" latinLnBrk="0" hangingPunct="1">
+              <a:defRPr sz="1800" kern="1200">
+                <a:solidFill>
+                  <a:schemeClr val="lt1"/>
+                </a:solidFill>
+                <a:latin typeface="+mn-lt"/>
+                <a:ea typeface="+mn-ea"/>
+                <a:cs typeface="+mn-cs"/>
+              </a:defRPr>
+            </a:lvl3pPr>
+            <a:lvl4pPr marL="1371600" algn="l" defTabSz="914400" rtl="0" eaLnBrk="1" latinLnBrk="0" hangingPunct="1">
+              <a:defRPr sz="1800" kern="1200">
+                <a:solidFill>
+                  <a:schemeClr val="lt1"/>
+                </a:solidFill>
+                <a:latin typeface="+mn-lt"/>
+                <a:ea typeface="+mn-ea"/>
+                <a:cs typeface="+mn-cs"/>
+              </a:defRPr>
+            </a:lvl4pPr>
+            <a:lvl5pPr marL="1828800" algn="l" defTabSz="914400" rtl="0" eaLnBrk="1" latinLnBrk="0" hangingPunct="1">
+              <a:defRPr sz="1800" kern="1200">
+                <a:solidFill>
+                  <a:schemeClr val="lt1"/>
+                </a:solidFill>
+                <a:latin typeface="+mn-lt"/>
+                <a:ea typeface="+mn-ea"/>
+                <a:cs typeface="+mn-cs"/>
+              </a:defRPr>
+            </a:lvl5pPr>
+            <a:lvl6pPr marL="2286000" algn="l" defTabSz="914400" rtl="0" eaLnBrk="1" latinLnBrk="0" hangingPunct="1">
+              <a:defRPr sz="1800" kern="1200">
+                <a:solidFill>
+                  <a:schemeClr val="lt1"/>
+                </a:solidFill>
+                <a:latin typeface="+mn-lt"/>
+                <a:ea typeface="+mn-ea"/>
+                <a:cs typeface="+mn-cs"/>
+              </a:defRPr>
+            </a:lvl6pPr>
+            <a:lvl7pPr marL="2743200" algn="l" defTabSz="914400" rtl="0" eaLnBrk="1" latinLnBrk="0" hangingPunct="1">
+              <a:defRPr sz="1800" kern="1200">
+                <a:solidFill>
+                  <a:schemeClr val="lt1"/>
+                </a:solidFill>
+                <a:latin typeface="+mn-lt"/>
+                <a:ea typeface="+mn-ea"/>
+                <a:cs typeface="+mn-cs"/>
+              </a:defRPr>
+            </a:lvl7pPr>
+            <a:lvl8pPr marL="3200400" algn="l" defTabSz="914400" rtl="0" eaLnBrk="1" latinLnBrk="0" hangingPunct="1">
+              <a:defRPr sz="1800" kern="1200">
+                <a:solidFill>
+                  <a:schemeClr val="lt1"/>
+                </a:solidFill>
+                <a:latin typeface="+mn-lt"/>
+                <a:ea typeface="+mn-ea"/>
+                <a:cs typeface="+mn-cs"/>
+              </a:defRPr>
+            </a:lvl8pPr>
+            <a:lvl9pPr marL="3657600" algn="l" defTabSz="914400" rtl="0" eaLnBrk="1" latinLnBrk="0" hangingPunct="1">
+              <a:defRPr sz="1800" kern="1200">
+                <a:solidFill>
+                  <a:schemeClr val="lt1"/>
+                </a:solidFill>
+                <a:latin typeface="+mn-lt"/>
+                <a:ea typeface="+mn-ea"/>
+                <a:cs typeface="+mn-cs"/>
+              </a:defRPr>
+            </a:lvl9pPr>
+          </a:lstStyle>
+          <a:p>
+            <a:pPr algn="ctr"/>
+            <a:r>
+              <a:rPr lang="nl-NL" sz="1200" dirty="0">
+                <a:solidFill>
+                  <a:srgbClr val="FF0000"/>
+                </a:solidFill>
+              </a:rPr>
+              <a:t>Object tree (</a:t>
+            </a:r>
+            <a:r>
+              <a:rPr lang="nl-NL" sz="1200" dirty="0" err="1">
+                <a:solidFill>
+                  <a:srgbClr val="FF0000"/>
+                </a:solidFill>
+              </a:rPr>
+              <a:t>dbo.Obj_ext</a:t>
+            </a:r>
+            <a:r>
+              <a:rPr lang="nl-NL" sz="1200" dirty="0">
+                <a:solidFill>
+                  <a:srgbClr val="FF0000"/>
+                </a:solidFill>
+              </a:rPr>
+              <a:t>)</a:t>
+            </a:r>
+          </a:p>
+        </p:txBody>
+      </p:sp>
+      <p:sp>
+        <p:nvSpPr>
           <p:cNvPr id="5" name="Stroomdiagram: Magnetische schijf 4">
             <a:extLst>
               <a:ext uri="{FF2B5EF4-FFF2-40B4-BE49-F238E27FC236}">
@@ -7277,7 +7452,7 @@
           <a:p>
             <a:pPr algn="ctr"/>
             <a:r>
-              <a:rPr lang="nl-NL" dirty="0"/>
+              <a:rPr lang="nl-NL" sz="1200" dirty="0"/>
               <a:t>schema</a:t>
             </a:r>
           </a:p>
@@ -7418,11 +7593,11 @@
           <a:p>
             <a:pPr algn="ctr"/>
             <a:r>
-              <a:rPr lang="nl-NL" dirty="0" err="1"/>
+              <a:rPr lang="nl-NL" sz="1200" dirty="0" err="1"/>
               <a:t>Table</a:t>
             </a:r>
             <a:r>
-              <a:rPr lang="nl-NL" dirty="0"/>
+              <a:rPr lang="nl-NL" sz="1200" dirty="0"/>
               <a:t> A</a:t>
             </a:r>
           </a:p>
@@ -7565,7 +7740,7 @@
           <a:p>
             <a:pPr algn="ctr"/>
             <a:r>
-              <a:rPr lang="nl-NL" dirty="0"/>
+              <a:rPr lang="nl-NL" sz="1200" dirty="0"/>
               <a:t>Database B</a:t>
             </a:r>
           </a:p>
@@ -7708,7 +7883,7 @@
           <a:p>
             <a:pPr algn="ctr"/>
             <a:r>
-              <a:rPr lang="nl-NL" dirty="0"/>
+              <a:rPr lang="nl-NL" sz="1200" dirty="0"/>
               <a:t>Server X</a:t>
             </a:r>
           </a:p>
@@ -7851,7 +8026,7 @@
           <a:p>
             <a:pPr algn="ctr"/>
             <a:r>
-              <a:rPr lang="nl-NL" dirty="0"/>
+              <a:rPr lang="nl-NL" sz="1200" dirty="0"/>
               <a:t>Database A</a:t>
             </a:r>
           </a:p>
@@ -7994,7 +8169,7 @@
           <a:p>
             <a:pPr algn="ctr"/>
             <a:r>
-              <a:rPr lang="nl-NL" dirty="0"/>
+              <a:rPr lang="nl-NL" sz="1200" dirty="0"/>
               <a:t>Database C</a:t>
             </a:r>
           </a:p>
@@ -8140,7 +8315,7 @@
           <a:p>
             <a:pPr algn="ctr"/>
             <a:r>
-              <a:rPr lang="nl-NL" dirty="0"/>
+              <a:rPr lang="nl-NL" sz="1200" dirty="0"/>
               <a:t>schema</a:t>
             </a:r>
           </a:p>
@@ -8488,11 +8663,11 @@
           <a:p>
             <a:pPr algn="ctr"/>
             <a:r>
-              <a:rPr lang="nl-NL" dirty="0" err="1"/>
+              <a:rPr lang="nl-NL" sz="1200" dirty="0" err="1"/>
               <a:t>Table</a:t>
             </a:r>
             <a:r>
-              <a:rPr lang="nl-NL" dirty="0"/>
+              <a:rPr lang="nl-NL" sz="1200" dirty="0"/>
               <a:t> B</a:t>
             </a:r>
           </a:p>
@@ -8633,7 +8808,7 @@
           <a:p>
             <a:pPr algn="ctr"/>
             <a:r>
-              <a:rPr lang="nl-NL" dirty="0"/>
+              <a:rPr lang="nl-NL" sz="1200" dirty="0"/>
               <a:t>View C</a:t>
             </a:r>
           </a:p>
@@ -8907,7 +9082,7 @@
           <a:p>
             <a:pPr algn="ctr"/>
             <a:r>
-              <a:rPr lang="nl-NL" dirty="0">
+              <a:rPr lang="nl-NL" sz="1200" dirty="0">
                 <a:solidFill>
                   <a:srgbClr val="FF0000"/>
                 </a:solidFill>
@@ -8915,7 +9090,7 @@
               <a:t>Users (</a:t>
             </a:r>
             <a:r>
-              <a:rPr lang="nl-NL" dirty="0" err="1">
+              <a:rPr lang="nl-NL" sz="1200" dirty="0" err="1">
                 <a:solidFill>
                   <a:srgbClr val="FF0000"/>
                 </a:solidFill>
@@ -8923,7 +9098,7 @@
               <a:t>dbo.Obj_ext</a:t>
             </a:r>
             <a:r>
-              <a:rPr lang="nl-NL" dirty="0">
+              <a:rPr lang="nl-NL" sz="1200" dirty="0">
                 <a:solidFill>
                   <a:srgbClr val="FF0000"/>
                 </a:solidFill>
@@ -9070,7 +9245,7 @@
           <a:p>
             <a:pPr algn="ctr"/>
             <a:r>
-              <a:rPr lang="nl-NL" sz="1400" dirty="0">
+              <a:rPr lang="nl-NL" sz="1200" dirty="0">
                 <a:solidFill>
                   <a:schemeClr val="bg1"/>
                 </a:solidFill>
@@ -9217,6 +9392,3622 @@
           <a:p>
             <a:pPr algn="ctr"/>
             <a:r>
+              <a:rPr lang="nl-NL" sz="1200" dirty="0">
+                <a:solidFill>
+                  <a:schemeClr val="bg1"/>
+                </a:solidFill>
+              </a:rPr>
+              <a:t>User A</a:t>
+            </a:r>
+          </a:p>
+        </p:txBody>
+      </p:sp>
+      <p:sp>
+        <p:nvSpPr>
+          <p:cNvPr id="29" name="Tekstvak 44">
+            <a:extLst>
+              <a:ext uri="{FF2B5EF4-FFF2-40B4-BE49-F238E27FC236}">
+                <a16:creationId xmlns:a16="http://schemas.microsoft.com/office/drawing/2014/main" id="{E73105F3-64C3-4A5A-97EA-E6BF3FF48668}"/>
+              </a:ext>
+            </a:extLst>
+          </p:cNvPr>
+          <p:cNvSpPr txBox="1"/>
+          <p:nvPr/>
+        </p:nvSpPr>
+        <p:spPr>
+          <a:xfrm>
+            <a:off x="5010532" y="5737423"/>
+            <a:ext cx="2935034" cy="646331"/>
+          </a:xfrm>
+          <a:prstGeom prst="rect">
+            <a:avLst/>
+          </a:prstGeom>
+          <a:noFill/>
+        </p:spPr>
+        <p:txBody>
+          <a:bodyPr wrap="none" rtlCol="0">
+            <a:spAutoFit/>
+          </a:bodyPr>
+          <a:lstStyle>
+            <a:defPPr>
+              <a:defRPr lang="nl-NL"/>
+            </a:defPPr>
+            <a:lvl1pPr marL="0" algn="l" defTabSz="914400" rtl="0" eaLnBrk="1" latinLnBrk="0" hangingPunct="1">
+              <a:defRPr sz="1800" kern="1200">
+                <a:solidFill>
+                  <a:schemeClr val="tx1"/>
+                </a:solidFill>
+                <a:latin typeface="+mn-lt"/>
+                <a:ea typeface="+mn-ea"/>
+                <a:cs typeface="+mn-cs"/>
+              </a:defRPr>
+            </a:lvl1pPr>
+            <a:lvl2pPr marL="457200" algn="l" defTabSz="914400" rtl="0" eaLnBrk="1" latinLnBrk="0" hangingPunct="1">
+              <a:defRPr sz="1800" kern="1200">
+                <a:solidFill>
+                  <a:schemeClr val="tx1"/>
+                </a:solidFill>
+                <a:latin typeface="+mn-lt"/>
+                <a:ea typeface="+mn-ea"/>
+                <a:cs typeface="+mn-cs"/>
+              </a:defRPr>
+            </a:lvl2pPr>
+            <a:lvl3pPr marL="914400" algn="l" defTabSz="914400" rtl="0" eaLnBrk="1" latinLnBrk="0" hangingPunct="1">
+              <a:defRPr sz="1800" kern="1200">
+                <a:solidFill>
+                  <a:schemeClr val="tx1"/>
+                </a:solidFill>
+                <a:latin typeface="+mn-lt"/>
+                <a:ea typeface="+mn-ea"/>
+                <a:cs typeface="+mn-cs"/>
+              </a:defRPr>
+            </a:lvl3pPr>
+            <a:lvl4pPr marL="1371600" algn="l" defTabSz="914400" rtl="0" eaLnBrk="1" latinLnBrk="0" hangingPunct="1">
+              <a:defRPr sz="1800" kern="1200">
+                <a:solidFill>
+                  <a:schemeClr val="tx1"/>
+                </a:solidFill>
+                <a:latin typeface="+mn-lt"/>
+                <a:ea typeface="+mn-ea"/>
+                <a:cs typeface="+mn-cs"/>
+              </a:defRPr>
+            </a:lvl4pPr>
+            <a:lvl5pPr marL="1828800" algn="l" defTabSz="914400" rtl="0" eaLnBrk="1" latinLnBrk="0" hangingPunct="1">
+              <a:defRPr sz="1800" kern="1200">
+                <a:solidFill>
+                  <a:schemeClr val="tx1"/>
+                </a:solidFill>
+                <a:latin typeface="+mn-lt"/>
+                <a:ea typeface="+mn-ea"/>
+                <a:cs typeface="+mn-cs"/>
+              </a:defRPr>
+            </a:lvl5pPr>
+            <a:lvl6pPr marL="2286000" algn="l" defTabSz="914400" rtl="0" eaLnBrk="1" latinLnBrk="0" hangingPunct="1">
+              <a:defRPr sz="1800" kern="1200">
+                <a:solidFill>
+                  <a:schemeClr val="tx1"/>
+                </a:solidFill>
+                <a:latin typeface="+mn-lt"/>
+                <a:ea typeface="+mn-ea"/>
+                <a:cs typeface="+mn-cs"/>
+              </a:defRPr>
+            </a:lvl6pPr>
+            <a:lvl7pPr marL="2743200" algn="l" defTabSz="914400" rtl="0" eaLnBrk="1" latinLnBrk="0" hangingPunct="1">
+              <a:defRPr sz="1800" kern="1200">
+                <a:solidFill>
+                  <a:schemeClr val="tx1"/>
+                </a:solidFill>
+                <a:latin typeface="+mn-lt"/>
+                <a:ea typeface="+mn-ea"/>
+                <a:cs typeface="+mn-cs"/>
+              </a:defRPr>
+            </a:lvl7pPr>
+            <a:lvl8pPr marL="3200400" algn="l" defTabSz="914400" rtl="0" eaLnBrk="1" latinLnBrk="0" hangingPunct="1">
+              <a:defRPr sz="1800" kern="1200">
+                <a:solidFill>
+                  <a:schemeClr val="tx1"/>
+                </a:solidFill>
+                <a:latin typeface="+mn-lt"/>
+                <a:ea typeface="+mn-ea"/>
+                <a:cs typeface="+mn-cs"/>
+              </a:defRPr>
+            </a:lvl8pPr>
+            <a:lvl9pPr marL="3657600" algn="l" defTabSz="914400" rtl="0" eaLnBrk="1" latinLnBrk="0" hangingPunct="1">
+              <a:defRPr sz="1800" kern="1200">
+                <a:solidFill>
+                  <a:schemeClr val="tx1"/>
+                </a:solidFill>
+                <a:latin typeface="+mn-lt"/>
+                <a:ea typeface="+mn-ea"/>
+                <a:cs typeface="+mn-cs"/>
+              </a:defRPr>
+            </a:lvl9pPr>
+          </a:lstStyle>
+          <a:p>
+            <a:r>
+              <a:rPr lang="nl-NL" sz="1200" dirty="0" err="1"/>
+              <a:t>exec</a:t>
+            </a:r>
+            <a:r>
+              <a:rPr lang="nl-NL" sz="1200" dirty="0"/>
+              <a:t> </a:t>
+            </a:r>
+            <a:r>
+              <a:rPr lang="nl-NL" sz="1200" dirty="0" err="1"/>
+              <a:t>set_p</a:t>
+            </a:r>
+            <a:r>
+              <a:rPr lang="nl-NL" sz="1200" dirty="0"/>
+              <a:t> &lt;property&gt;,&lt;</a:t>
+            </a:r>
+            <a:r>
+              <a:rPr lang="nl-NL" sz="1200" dirty="0" err="1"/>
+              <a:t>value</a:t>
+            </a:r>
+            <a:r>
+              <a:rPr lang="nl-NL" sz="1200" dirty="0"/>
+              <a:t>&gt;,&lt;</a:t>
+            </a:r>
+            <a:r>
+              <a:rPr lang="nl-NL" sz="1200" dirty="0" err="1"/>
+              <a:t>obj_name</a:t>
+            </a:r>
+            <a:r>
+              <a:rPr lang="nl-NL" sz="1200" dirty="0"/>
+              <a:t>&gt;</a:t>
+            </a:r>
+          </a:p>
+          <a:p>
+            <a:r>
+              <a:rPr lang="nl-NL" sz="1200" dirty="0" err="1"/>
+              <a:t>exec</a:t>
+            </a:r>
+            <a:r>
+              <a:rPr lang="nl-NL" sz="1200" dirty="0"/>
+              <a:t> </a:t>
+            </a:r>
+            <a:r>
+              <a:rPr lang="nl-NL" sz="1200" dirty="0" err="1"/>
+              <a:t>get_p</a:t>
+            </a:r>
+            <a:r>
+              <a:rPr lang="nl-NL" sz="1200" dirty="0"/>
+              <a:t> &lt;property&gt;,&lt;</a:t>
+            </a:r>
+            <a:r>
+              <a:rPr lang="nl-NL" sz="1200" dirty="0" err="1"/>
+              <a:t>value</a:t>
+            </a:r>
+            <a:r>
+              <a:rPr lang="nl-NL" sz="1200" dirty="0"/>
+              <a:t>&gt;,&lt;</a:t>
+            </a:r>
+            <a:r>
+              <a:rPr lang="nl-NL" sz="1200" dirty="0" err="1"/>
+              <a:t>obj_name</a:t>
+            </a:r>
+            <a:r>
+              <a:rPr lang="nl-NL" sz="1200" dirty="0"/>
+              <a:t>&gt;</a:t>
+            </a:r>
+          </a:p>
+          <a:p>
+            <a:r>
+              <a:rPr lang="nl-NL" sz="1200" dirty="0"/>
+              <a:t>select * </a:t>
+            </a:r>
+            <a:r>
+              <a:rPr lang="nl-NL" sz="1200" dirty="0" err="1"/>
+              <a:t>from</a:t>
+            </a:r>
+            <a:r>
+              <a:rPr lang="nl-NL" sz="1200" dirty="0"/>
+              <a:t> </a:t>
+            </a:r>
+            <a:r>
+              <a:rPr lang="nl-NL" sz="1200" dirty="0" err="1"/>
+              <a:t>prop_ext</a:t>
+            </a:r>
+            <a:endParaRPr lang="nl-NL" sz="1200" dirty="0"/>
+          </a:p>
+        </p:txBody>
+      </p:sp>
+      <p:grpSp>
+        <p:nvGrpSpPr>
+          <p:cNvPr id="2" name="Group 1">
+            <a:extLst>
+              <a:ext uri="{FF2B5EF4-FFF2-40B4-BE49-F238E27FC236}">
+                <a16:creationId xmlns:a16="http://schemas.microsoft.com/office/drawing/2014/main" id="{B626080C-E67B-401E-9980-4C715F8E957C}"/>
+              </a:ext>
+            </a:extLst>
+          </p:cNvPr>
+          <p:cNvGrpSpPr/>
+          <p:nvPr/>
+        </p:nvGrpSpPr>
+        <p:grpSpPr>
+          <a:xfrm>
+            <a:off x="5106171" y="528557"/>
+            <a:ext cx="2601687" cy="5200369"/>
+            <a:chOff x="4856270" y="537054"/>
+            <a:chExt cx="2601687" cy="5200369"/>
+          </a:xfrm>
+        </p:grpSpPr>
+        <p:sp>
+          <p:nvSpPr>
+            <p:cNvPr id="25" name="Rechthoek 40">
+              <a:extLst>
+                <a:ext uri="{FF2B5EF4-FFF2-40B4-BE49-F238E27FC236}">
+                  <a16:creationId xmlns:a16="http://schemas.microsoft.com/office/drawing/2014/main" id="{6BDECE7D-2AA3-4B69-B8C1-F5B48A2C352A}"/>
+                </a:ext>
+              </a:extLst>
+            </p:cNvPr>
+            <p:cNvSpPr/>
+            <p:nvPr/>
+          </p:nvSpPr>
+          <p:spPr>
+            <a:xfrm>
+              <a:off x="4856270" y="537054"/>
+              <a:ext cx="2601687" cy="5200369"/>
+            </a:xfrm>
+            <a:prstGeom prst="rect">
+              <a:avLst/>
+            </a:prstGeom>
+            <a:solidFill>
+              <a:schemeClr val="accent1">
+                <a:lumMod val="20000"/>
+                <a:lumOff val="80000"/>
+              </a:schemeClr>
+            </a:solidFill>
+          </p:spPr>
+          <p:style>
+            <a:lnRef idx="2">
+              <a:schemeClr val="accent1">
+                <a:shade val="50000"/>
+              </a:schemeClr>
+            </a:lnRef>
+            <a:fillRef idx="1">
+              <a:schemeClr val="accent1"/>
+            </a:fillRef>
+            <a:effectRef idx="0">
+              <a:schemeClr val="accent1"/>
+            </a:effectRef>
+            <a:fontRef idx="minor">
+              <a:schemeClr val="lt1"/>
+            </a:fontRef>
+          </p:style>
+          <p:txBody>
+            <a:bodyPr rtlCol="0" anchor="t" anchorCtr="0"/>
+            <a:lstStyle>
+              <a:defPPr>
+                <a:defRPr lang="nl-NL"/>
+              </a:defPPr>
+              <a:lvl1pPr marL="0" algn="l" defTabSz="914400" rtl="0" eaLnBrk="1" latinLnBrk="0" hangingPunct="1">
+                <a:defRPr sz="1800" kern="1200">
+                  <a:solidFill>
+                    <a:schemeClr val="lt1"/>
+                  </a:solidFill>
+                  <a:latin typeface="+mn-lt"/>
+                  <a:ea typeface="+mn-ea"/>
+                  <a:cs typeface="+mn-cs"/>
+                </a:defRPr>
+              </a:lvl1pPr>
+              <a:lvl2pPr marL="457200" algn="l" defTabSz="914400" rtl="0" eaLnBrk="1" latinLnBrk="0" hangingPunct="1">
+                <a:defRPr sz="1800" kern="1200">
+                  <a:solidFill>
+                    <a:schemeClr val="lt1"/>
+                  </a:solidFill>
+                  <a:latin typeface="+mn-lt"/>
+                  <a:ea typeface="+mn-ea"/>
+                  <a:cs typeface="+mn-cs"/>
+                </a:defRPr>
+              </a:lvl2pPr>
+              <a:lvl3pPr marL="914400" algn="l" defTabSz="914400" rtl="0" eaLnBrk="1" latinLnBrk="0" hangingPunct="1">
+                <a:defRPr sz="1800" kern="1200">
+                  <a:solidFill>
+                    <a:schemeClr val="lt1"/>
+                  </a:solidFill>
+                  <a:latin typeface="+mn-lt"/>
+                  <a:ea typeface="+mn-ea"/>
+                  <a:cs typeface="+mn-cs"/>
+                </a:defRPr>
+              </a:lvl3pPr>
+              <a:lvl4pPr marL="1371600" algn="l" defTabSz="914400" rtl="0" eaLnBrk="1" latinLnBrk="0" hangingPunct="1">
+                <a:defRPr sz="1800" kern="1200">
+                  <a:solidFill>
+                    <a:schemeClr val="lt1"/>
+                  </a:solidFill>
+                  <a:latin typeface="+mn-lt"/>
+                  <a:ea typeface="+mn-ea"/>
+                  <a:cs typeface="+mn-cs"/>
+                </a:defRPr>
+              </a:lvl4pPr>
+              <a:lvl5pPr marL="1828800" algn="l" defTabSz="914400" rtl="0" eaLnBrk="1" latinLnBrk="0" hangingPunct="1">
+                <a:defRPr sz="1800" kern="1200">
+                  <a:solidFill>
+                    <a:schemeClr val="lt1"/>
+                  </a:solidFill>
+                  <a:latin typeface="+mn-lt"/>
+                  <a:ea typeface="+mn-ea"/>
+                  <a:cs typeface="+mn-cs"/>
+                </a:defRPr>
+              </a:lvl5pPr>
+              <a:lvl6pPr marL="2286000" algn="l" defTabSz="914400" rtl="0" eaLnBrk="1" latinLnBrk="0" hangingPunct="1">
+                <a:defRPr sz="1800" kern="1200">
+                  <a:solidFill>
+                    <a:schemeClr val="lt1"/>
+                  </a:solidFill>
+                  <a:latin typeface="+mn-lt"/>
+                  <a:ea typeface="+mn-ea"/>
+                  <a:cs typeface="+mn-cs"/>
+                </a:defRPr>
+              </a:lvl6pPr>
+              <a:lvl7pPr marL="2743200" algn="l" defTabSz="914400" rtl="0" eaLnBrk="1" latinLnBrk="0" hangingPunct="1">
+                <a:defRPr sz="1800" kern="1200">
+                  <a:solidFill>
+                    <a:schemeClr val="lt1"/>
+                  </a:solidFill>
+                  <a:latin typeface="+mn-lt"/>
+                  <a:ea typeface="+mn-ea"/>
+                  <a:cs typeface="+mn-cs"/>
+                </a:defRPr>
+              </a:lvl7pPr>
+              <a:lvl8pPr marL="3200400" algn="l" defTabSz="914400" rtl="0" eaLnBrk="1" latinLnBrk="0" hangingPunct="1">
+                <a:defRPr sz="1800" kern="1200">
+                  <a:solidFill>
+                    <a:schemeClr val="lt1"/>
+                  </a:solidFill>
+                  <a:latin typeface="+mn-lt"/>
+                  <a:ea typeface="+mn-ea"/>
+                  <a:cs typeface="+mn-cs"/>
+                </a:defRPr>
+              </a:lvl8pPr>
+              <a:lvl9pPr marL="3657600" algn="l" defTabSz="914400" rtl="0" eaLnBrk="1" latinLnBrk="0" hangingPunct="1">
+                <a:defRPr sz="1800" kern="1200">
+                  <a:solidFill>
+                    <a:schemeClr val="lt1"/>
+                  </a:solidFill>
+                  <a:latin typeface="+mn-lt"/>
+                  <a:ea typeface="+mn-ea"/>
+                  <a:cs typeface="+mn-cs"/>
+                </a:defRPr>
+              </a:lvl9pPr>
+            </a:lstStyle>
+            <a:p>
+              <a:pPr algn="ctr"/>
+              <a:r>
+                <a:rPr lang="nl-NL" sz="1200" dirty="0" err="1">
+                  <a:solidFill>
+                    <a:srgbClr val="FF0000"/>
+                  </a:solidFill>
+                </a:rPr>
+                <a:t>Properties</a:t>
+              </a:r>
+              <a:r>
+                <a:rPr lang="nl-NL" sz="1200" dirty="0">
+                  <a:solidFill>
+                    <a:srgbClr val="FF0000"/>
+                  </a:solidFill>
+                </a:rPr>
+                <a:t> (</a:t>
+              </a:r>
+              <a:r>
+                <a:rPr lang="nl-NL" sz="1200" dirty="0" err="1">
+                  <a:solidFill>
+                    <a:srgbClr val="FF0000"/>
+                  </a:solidFill>
+                </a:rPr>
+                <a:t>static.Property</a:t>
+              </a:r>
+              <a:r>
+                <a:rPr lang="nl-NL" sz="1200" dirty="0">
+                  <a:solidFill>
+                    <a:srgbClr val="FF0000"/>
+                  </a:solidFill>
+                </a:rPr>
+                <a:t>)</a:t>
+              </a:r>
+            </a:p>
+          </p:txBody>
+        </p:sp>
+        <p:sp>
+          <p:nvSpPr>
+            <p:cNvPr id="26" name="Afgeschuind diagonale hoek rechthoek 41">
+              <a:extLst>
+                <a:ext uri="{FF2B5EF4-FFF2-40B4-BE49-F238E27FC236}">
+                  <a16:creationId xmlns:a16="http://schemas.microsoft.com/office/drawing/2014/main" id="{B4844146-C71B-4005-B546-2FCA8145CEA3}"/>
+                </a:ext>
+              </a:extLst>
+            </p:cNvPr>
+            <p:cNvSpPr/>
+            <p:nvPr/>
+          </p:nvSpPr>
+          <p:spPr>
+            <a:xfrm>
+              <a:off x="5166513" y="1287743"/>
+              <a:ext cx="1981200" cy="413657"/>
+            </a:xfrm>
+            <a:prstGeom prst="snip2DiagRect">
+              <a:avLst/>
+            </a:prstGeom>
+            <a:solidFill>
+              <a:schemeClr val="bg2">
+                <a:lumMod val="90000"/>
+              </a:schemeClr>
+            </a:solidFill>
+          </p:spPr>
+          <p:style>
+            <a:lnRef idx="2">
+              <a:schemeClr val="accent1">
+                <a:shade val="50000"/>
+              </a:schemeClr>
+            </a:lnRef>
+            <a:fillRef idx="1">
+              <a:schemeClr val="accent1"/>
+            </a:fillRef>
+            <a:effectRef idx="0">
+              <a:schemeClr val="accent1"/>
+            </a:effectRef>
+            <a:fontRef idx="minor">
+              <a:schemeClr val="lt1"/>
+            </a:fontRef>
+          </p:style>
+          <p:txBody>
+            <a:bodyPr rtlCol="0" anchor="ctr"/>
+            <a:lstStyle>
+              <a:defPPr>
+                <a:defRPr lang="nl-NL"/>
+              </a:defPPr>
+              <a:lvl1pPr marL="0" algn="l" defTabSz="914400" rtl="0" eaLnBrk="1" latinLnBrk="0" hangingPunct="1">
+                <a:defRPr sz="1800" kern="1200">
+                  <a:solidFill>
+                    <a:schemeClr val="lt1"/>
+                  </a:solidFill>
+                  <a:latin typeface="+mn-lt"/>
+                  <a:ea typeface="+mn-ea"/>
+                  <a:cs typeface="+mn-cs"/>
+                </a:defRPr>
+              </a:lvl1pPr>
+              <a:lvl2pPr marL="457200" algn="l" defTabSz="914400" rtl="0" eaLnBrk="1" latinLnBrk="0" hangingPunct="1">
+                <a:defRPr sz="1800" kern="1200">
+                  <a:solidFill>
+                    <a:schemeClr val="lt1"/>
+                  </a:solidFill>
+                  <a:latin typeface="+mn-lt"/>
+                  <a:ea typeface="+mn-ea"/>
+                  <a:cs typeface="+mn-cs"/>
+                </a:defRPr>
+              </a:lvl2pPr>
+              <a:lvl3pPr marL="914400" algn="l" defTabSz="914400" rtl="0" eaLnBrk="1" latinLnBrk="0" hangingPunct="1">
+                <a:defRPr sz="1800" kern="1200">
+                  <a:solidFill>
+                    <a:schemeClr val="lt1"/>
+                  </a:solidFill>
+                  <a:latin typeface="+mn-lt"/>
+                  <a:ea typeface="+mn-ea"/>
+                  <a:cs typeface="+mn-cs"/>
+                </a:defRPr>
+              </a:lvl3pPr>
+              <a:lvl4pPr marL="1371600" algn="l" defTabSz="914400" rtl="0" eaLnBrk="1" latinLnBrk="0" hangingPunct="1">
+                <a:defRPr sz="1800" kern="1200">
+                  <a:solidFill>
+                    <a:schemeClr val="lt1"/>
+                  </a:solidFill>
+                  <a:latin typeface="+mn-lt"/>
+                  <a:ea typeface="+mn-ea"/>
+                  <a:cs typeface="+mn-cs"/>
+                </a:defRPr>
+              </a:lvl4pPr>
+              <a:lvl5pPr marL="1828800" algn="l" defTabSz="914400" rtl="0" eaLnBrk="1" latinLnBrk="0" hangingPunct="1">
+                <a:defRPr sz="1800" kern="1200">
+                  <a:solidFill>
+                    <a:schemeClr val="lt1"/>
+                  </a:solidFill>
+                  <a:latin typeface="+mn-lt"/>
+                  <a:ea typeface="+mn-ea"/>
+                  <a:cs typeface="+mn-cs"/>
+                </a:defRPr>
+              </a:lvl5pPr>
+              <a:lvl6pPr marL="2286000" algn="l" defTabSz="914400" rtl="0" eaLnBrk="1" latinLnBrk="0" hangingPunct="1">
+                <a:defRPr sz="1800" kern="1200">
+                  <a:solidFill>
+                    <a:schemeClr val="lt1"/>
+                  </a:solidFill>
+                  <a:latin typeface="+mn-lt"/>
+                  <a:ea typeface="+mn-ea"/>
+                  <a:cs typeface="+mn-cs"/>
+                </a:defRPr>
+              </a:lvl6pPr>
+              <a:lvl7pPr marL="2743200" algn="l" defTabSz="914400" rtl="0" eaLnBrk="1" latinLnBrk="0" hangingPunct="1">
+                <a:defRPr sz="1800" kern="1200">
+                  <a:solidFill>
+                    <a:schemeClr val="lt1"/>
+                  </a:solidFill>
+                  <a:latin typeface="+mn-lt"/>
+                  <a:ea typeface="+mn-ea"/>
+                  <a:cs typeface="+mn-cs"/>
+                </a:defRPr>
+              </a:lvl7pPr>
+              <a:lvl8pPr marL="3200400" algn="l" defTabSz="914400" rtl="0" eaLnBrk="1" latinLnBrk="0" hangingPunct="1">
+                <a:defRPr sz="1800" kern="1200">
+                  <a:solidFill>
+                    <a:schemeClr val="lt1"/>
+                  </a:solidFill>
+                  <a:latin typeface="+mn-lt"/>
+                  <a:ea typeface="+mn-ea"/>
+                  <a:cs typeface="+mn-cs"/>
+                </a:defRPr>
+              </a:lvl8pPr>
+              <a:lvl9pPr marL="3657600" algn="l" defTabSz="914400" rtl="0" eaLnBrk="1" latinLnBrk="0" hangingPunct="1">
+                <a:defRPr sz="1800" kern="1200">
+                  <a:solidFill>
+                    <a:schemeClr val="lt1"/>
+                  </a:solidFill>
+                  <a:latin typeface="+mn-lt"/>
+                  <a:ea typeface="+mn-ea"/>
+                  <a:cs typeface="+mn-cs"/>
+                </a:defRPr>
+              </a:lvl9pPr>
+            </a:lstStyle>
+            <a:p>
+              <a:pPr algn="ctr"/>
+              <a:r>
+                <a:rPr lang="nl-NL" sz="1200" dirty="0" err="1"/>
+                <a:t>target_schema_id</a:t>
+              </a:r>
+              <a:endParaRPr lang="nl-NL" sz="1200" dirty="0"/>
+            </a:p>
+          </p:txBody>
+        </p:sp>
+        <p:sp>
+          <p:nvSpPr>
+            <p:cNvPr id="28" name="Afgeschuind diagonale hoek rechthoek 43">
+              <a:extLst>
+                <a:ext uri="{FF2B5EF4-FFF2-40B4-BE49-F238E27FC236}">
+                  <a16:creationId xmlns:a16="http://schemas.microsoft.com/office/drawing/2014/main" id="{4C6A9A47-19D5-4656-8427-130448E322CB}"/>
+                </a:ext>
+              </a:extLst>
+            </p:cNvPr>
+            <p:cNvSpPr/>
+            <p:nvPr/>
+          </p:nvSpPr>
+          <p:spPr>
+            <a:xfrm>
+              <a:off x="5161351" y="1956199"/>
+              <a:ext cx="2133601" cy="413657"/>
+            </a:xfrm>
+            <a:prstGeom prst="snip2DiagRect">
+              <a:avLst/>
+            </a:prstGeom>
+            <a:solidFill>
+              <a:schemeClr val="bg2">
+                <a:lumMod val="90000"/>
+              </a:schemeClr>
+            </a:solidFill>
+          </p:spPr>
+          <p:style>
+            <a:lnRef idx="2">
+              <a:schemeClr val="accent1">
+                <a:shade val="50000"/>
+              </a:schemeClr>
+            </a:lnRef>
+            <a:fillRef idx="1">
+              <a:schemeClr val="accent1"/>
+            </a:fillRef>
+            <a:effectRef idx="0">
+              <a:schemeClr val="accent1"/>
+            </a:effectRef>
+            <a:fontRef idx="minor">
+              <a:schemeClr val="lt1"/>
+            </a:fontRef>
+          </p:style>
+          <p:txBody>
+            <a:bodyPr rtlCol="0" anchor="ctr"/>
+            <a:lstStyle>
+              <a:defPPr>
+                <a:defRPr lang="nl-NL"/>
+              </a:defPPr>
+              <a:lvl1pPr marL="0" algn="l" defTabSz="914400" rtl="0" eaLnBrk="1" latinLnBrk="0" hangingPunct="1">
+                <a:defRPr sz="1800" kern="1200">
+                  <a:solidFill>
+                    <a:schemeClr val="lt1"/>
+                  </a:solidFill>
+                  <a:latin typeface="+mn-lt"/>
+                  <a:ea typeface="+mn-ea"/>
+                  <a:cs typeface="+mn-cs"/>
+                </a:defRPr>
+              </a:lvl1pPr>
+              <a:lvl2pPr marL="457200" algn="l" defTabSz="914400" rtl="0" eaLnBrk="1" latinLnBrk="0" hangingPunct="1">
+                <a:defRPr sz="1800" kern="1200">
+                  <a:solidFill>
+                    <a:schemeClr val="lt1"/>
+                  </a:solidFill>
+                  <a:latin typeface="+mn-lt"/>
+                  <a:ea typeface="+mn-ea"/>
+                  <a:cs typeface="+mn-cs"/>
+                </a:defRPr>
+              </a:lvl2pPr>
+              <a:lvl3pPr marL="914400" algn="l" defTabSz="914400" rtl="0" eaLnBrk="1" latinLnBrk="0" hangingPunct="1">
+                <a:defRPr sz="1800" kern="1200">
+                  <a:solidFill>
+                    <a:schemeClr val="lt1"/>
+                  </a:solidFill>
+                  <a:latin typeface="+mn-lt"/>
+                  <a:ea typeface="+mn-ea"/>
+                  <a:cs typeface="+mn-cs"/>
+                </a:defRPr>
+              </a:lvl3pPr>
+              <a:lvl4pPr marL="1371600" algn="l" defTabSz="914400" rtl="0" eaLnBrk="1" latinLnBrk="0" hangingPunct="1">
+                <a:defRPr sz="1800" kern="1200">
+                  <a:solidFill>
+                    <a:schemeClr val="lt1"/>
+                  </a:solidFill>
+                  <a:latin typeface="+mn-lt"/>
+                  <a:ea typeface="+mn-ea"/>
+                  <a:cs typeface="+mn-cs"/>
+                </a:defRPr>
+              </a:lvl4pPr>
+              <a:lvl5pPr marL="1828800" algn="l" defTabSz="914400" rtl="0" eaLnBrk="1" latinLnBrk="0" hangingPunct="1">
+                <a:defRPr sz="1800" kern="1200">
+                  <a:solidFill>
+                    <a:schemeClr val="lt1"/>
+                  </a:solidFill>
+                  <a:latin typeface="+mn-lt"/>
+                  <a:ea typeface="+mn-ea"/>
+                  <a:cs typeface="+mn-cs"/>
+                </a:defRPr>
+              </a:lvl5pPr>
+              <a:lvl6pPr marL="2286000" algn="l" defTabSz="914400" rtl="0" eaLnBrk="1" latinLnBrk="0" hangingPunct="1">
+                <a:defRPr sz="1800" kern="1200">
+                  <a:solidFill>
+                    <a:schemeClr val="lt1"/>
+                  </a:solidFill>
+                  <a:latin typeface="+mn-lt"/>
+                  <a:ea typeface="+mn-ea"/>
+                  <a:cs typeface="+mn-cs"/>
+                </a:defRPr>
+              </a:lvl6pPr>
+              <a:lvl7pPr marL="2743200" algn="l" defTabSz="914400" rtl="0" eaLnBrk="1" latinLnBrk="0" hangingPunct="1">
+                <a:defRPr sz="1800" kern="1200">
+                  <a:solidFill>
+                    <a:schemeClr val="lt1"/>
+                  </a:solidFill>
+                  <a:latin typeface="+mn-lt"/>
+                  <a:ea typeface="+mn-ea"/>
+                  <a:cs typeface="+mn-cs"/>
+                </a:defRPr>
+              </a:lvl7pPr>
+              <a:lvl8pPr marL="3200400" algn="l" defTabSz="914400" rtl="0" eaLnBrk="1" latinLnBrk="0" hangingPunct="1">
+                <a:defRPr sz="1800" kern="1200">
+                  <a:solidFill>
+                    <a:schemeClr val="lt1"/>
+                  </a:solidFill>
+                  <a:latin typeface="+mn-lt"/>
+                  <a:ea typeface="+mn-ea"/>
+                  <a:cs typeface="+mn-cs"/>
+                </a:defRPr>
+              </a:lvl8pPr>
+              <a:lvl9pPr marL="3657600" algn="l" defTabSz="914400" rtl="0" eaLnBrk="1" latinLnBrk="0" hangingPunct="1">
+                <a:defRPr sz="1800" kern="1200">
+                  <a:solidFill>
+                    <a:schemeClr val="lt1"/>
+                  </a:solidFill>
+                  <a:latin typeface="+mn-lt"/>
+                  <a:ea typeface="+mn-ea"/>
+                  <a:cs typeface="+mn-cs"/>
+                </a:defRPr>
+              </a:lvl9pPr>
+            </a:lstStyle>
+            <a:p>
+              <a:pPr algn="ctr"/>
+              <a:r>
+                <a:rPr lang="nl-NL" sz="1200" dirty="0" err="1"/>
+                <a:t>template_name_create_table</a:t>
+              </a:r>
+              <a:endParaRPr lang="nl-NL" sz="1200" dirty="0"/>
+            </a:p>
+          </p:txBody>
+        </p:sp>
+        <p:sp>
+          <p:nvSpPr>
+            <p:cNvPr id="30" name="Afgeschuind diagonale hoek rechthoek 61">
+              <a:extLst>
+                <a:ext uri="{FF2B5EF4-FFF2-40B4-BE49-F238E27FC236}">
+                  <a16:creationId xmlns:a16="http://schemas.microsoft.com/office/drawing/2014/main" id="{EB2D8666-78D4-40CA-A68C-33E71F1615B9}"/>
+                </a:ext>
+              </a:extLst>
+            </p:cNvPr>
+            <p:cNvSpPr/>
+            <p:nvPr/>
+          </p:nvSpPr>
+          <p:spPr>
+            <a:xfrm>
+              <a:off x="5161350" y="2576685"/>
+              <a:ext cx="2133601" cy="413657"/>
+            </a:xfrm>
+            <a:prstGeom prst="snip2DiagRect">
+              <a:avLst/>
+            </a:prstGeom>
+            <a:solidFill>
+              <a:schemeClr val="bg2">
+                <a:lumMod val="90000"/>
+              </a:schemeClr>
+            </a:solidFill>
+          </p:spPr>
+          <p:style>
+            <a:lnRef idx="2">
+              <a:schemeClr val="accent1">
+                <a:shade val="50000"/>
+              </a:schemeClr>
+            </a:lnRef>
+            <a:fillRef idx="1">
+              <a:schemeClr val="accent1"/>
+            </a:fillRef>
+            <a:effectRef idx="0">
+              <a:schemeClr val="accent1"/>
+            </a:effectRef>
+            <a:fontRef idx="minor">
+              <a:schemeClr val="lt1"/>
+            </a:fontRef>
+          </p:style>
+          <p:txBody>
+            <a:bodyPr rtlCol="0" anchor="ctr"/>
+            <a:lstStyle>
+              <a:defPPr>
+                <a:defRPr lang="nl-NL"/>
+              </a:defPPr>
+              <a:lvl1pPr marL="0" algn="l" defTabSz="914400" rtl="0" eaLnBrk="1" latinLnBrk="0" hangingPunct="1">
+                <a:defRPr sz="1800" kern="1200">
+                  <a:solidFill>
+                    <a:schemeClr val="lt1"/>
+                  </a:solidFill>
+                  <a:latin typeface="+mn-lt"/>
+                  <a:ea typeface="+mn-ea"/>
+                  <a:cs typeface="+mn-cs"/>
+                </a:defRPr>
+              </a:lvl1pPr>
+              <a:lvl2pPr marL="457200" algn="l" defTabSz="914400" rtl="0" eaLnBrk="1" latinLnBrk="0" hangingPunct="1">
+                <a:defRPr sz="1800" kern="1200">
+                  <a:solidFill>
+                    <a:schemeClr val="lt1"/>
+                  </a:solidFill>
+                  <a:latin typeface="+mn-lt"/>
+                  <a:ea typeface="+mn-ea"/>
+                  <a:cs typeface="+mn-cs"/>
+                </a:defRPr>
+              </a:lvl2pPr>
+              <a:lvl3pPr marL="914400" algn="l" defTabSz="914400" rtl="0" eaLnBrk="1" latinLnBrk="0" hangingPunct="1">
+                <a:defRPr sz="1800" kern="1200">
+                  <a:solidFill>
+                    <a:schemeClr val="lt1"/>
+                  </a:solidFill>
+                  <a:latin typeface="+mn-lt"/>
+                  <a:ea typeface="+mn-ea"/>
+                  <a:cs typeface="+mn-cs"/>
+                </a:defRPr>
+              </a:lvl3pPr>
+              <a:lvl4pPr marL="1371600" algn="l" defTabSz="914400" rtl="0" eaLnBrk="1" latinLnBrk="0" hangingPunct="1">
+                <a:defRPr sz="1800" kern="1200">
+                  <a:solidFill>
+                    <a:schemeClr val="lt1"/>
+                  </a:solidFill>
+                  <a:latin typeface="+mn-lt"/>
+                  <a:ea typeface="+mn-ea"/>
+                  <a:cs typeface="+mn-cs"/>
+                </a:defRPr>
+              </a:lvl4pPr>
+              <a:lvl5pPr marL="1828800" algn="l" defTabSz="914400" rtl="0" eaLnBrk="1" latinLnBrk="0" hangingPunct="1">
+                <a:defRPr sz="1800" kern="1200">
+                  <a:solidFill>
+                    <a:schemeClr val="lt1"/>
+                  </a:solidFill>
+                  <a:latin typeface="+mn-lt"/>
+                  <a:ea typeface="+mn-ea"/>
+                  <a:cs typeface="+mn-cs"/>
+                </a:defRPr>
+              </a:lvl5pPr>
+              <a:lvl6pPr marL="2286000" algn="l" defTabSz="914400" rtl="0" eaLnBrk="1" latinLnBrk="0" hangingPunct="1">
+                <a:defRPr sz="1800" kern="1200">
+                  <a:solidFill>
+                    <a:schemeClr val="lt1"/>
+                  </a:solidFill>
+                  <a:latin typeface="+mn-lt"/>
+                  <a:ea typeface="+mn-ea"/>
+                  <a:cs typeface="+mn-cs"/>
+                </a:defRPr>
+              </a:lvl6pPr>
+              <a:lvl7pPr marL="2743200" algn="l" defTabSz="914400" rtl="0" eaLnBrk="1" latinLnBrk="0" hangingPunct="1">
+                <a:defRPr sz="1800" kern="1200">
+                  <a:solidFill>
+                    <a:schemeClr val="lt1"/>
+                  </a:solidFill>
+                  <a:latin typeface="+mn-lt"/>
+                  <a:ea typeface="+mn-ea"/>
+                  <a:cs typeface="+mn-cs"/>
+                </a:defRPr>
+              </a:lvl7pPr>
+              <a:lvl8pPr marL="3200400" algn="l" defTabSz="914400" rtl="0" eaLnBrk="1" latinLnBrk="0" hangingPunct="1">
+                <a:defRPr sz="1800" kern="1200">
+                  <a:solidFill>
+                    <a:schemeClr val="lt1"/>
+                  </a:solidFill>
+                  <a:latin typeface="+mn-lt"/>
+                  <a:ea typeface="+mn-ea"/>
+                  <a:cs typeface="+mn-cs"/>
+                </a:defRPr>
+              </a:lvl8pPr>
+              <a:lvl9pPr marL="3657600" algn="l" defTabSz="914400" rtl="0" eaLnBrk="1" latinLnBrk="0" hangingPunct="1">
+                <a:defRPr sz="1800" kern="1200">
+                  <a:solidFill>
+                    <a:schemeClr val="lt1"/>
+                  </a:solidFill>
+                  <a:latin typeface="+mn-lt"/>
+                  <a:ea typeface="+mn-ea"/>
+                  <a:cs typeface="+mn-cs"/>
+                </a:defRPr>
+              </a:lvl9pPr>
+            </a:lstStyle>
+            <a:p>
+              <a:pPr algn="ctr"/>
+              <a:r>
+                <a:rPr lang="nl-NL" sz="1200" dirty="0"/>
+                <a:t>log_level</a:t>
+              </a:r>
+            </a:p>
+          </p:txBody>
+        </p:sp>
+        <p:sp>
+          <p:nvSpPr>
+            <p:cNvPr id="31" name="Afgeschuind diagonale hoek rechthoek 62">
+              <a:extLst>
+                <a:ext uri="{FF2B5EF4-FFF2-40B4-BE49-F238E27FC236}">
+                  <a16:creationId xmlns:a16="http://schemas.microsoft.com/office/drawing/2014/main" id="{4DDAB794-A8ED-4CE2-A412-63B369911694}"/>
+                </a:ext>
+              </a:extLst>
+            </p:cNvPr>
+            <p:cNvSpPr/>
+            <p:nvPr/>
+          </p:nvSpPr>
+          <p:spPr>
+            <a:xfrm>
+              <a:off x="5161348" y="3912468"/>
+              <a:ext cx="2133601" cy="413657"/>
+            </a:xfrm>
+            <a:prstGeom prst="snip2DiagRect">
+              <a:avLst/>
+            </a:prstGeom>
+            <a:solidFill>
+              <a:schemeClr val="bg2">
+                <a:lumMod val="90000"/>
+              </a:schemeClr>
+            </a:solidFill>
+          </p:spPr>
+          <p:style>
+            <a:lnRef idx="2">
+              <a:schemeClr val="accent1">
+                <a:shade val="50000"/>
+              </a:schemeClr>
+            </a:lnRef>
+            <a:fillRef idx="1">
+              <a:schemeClr val="accent1"/>
+            </a:fillRef>
+            <a:effectRef idx="0">
+              <a:schemeClr val="accent1"/>
+            </a:effectRef>
+            <a:fontRef idx="minor">
+              <a:schemeClr val="lt1"/>
+            </a:fontRef>
+          </p:style>
+          <p:txBody>
+            <a:bodyPr rtlCol="0" anchor="ctr"/>
+            <a:lstStyle>
+              <a:defPPr>
+                <a:defRPr lang="nl-NL"/>
+              </a:defPPr>
+              <a:lvl1pPr marL="0" algn="l" defTabSz="914400" rtl="0" eaLnBrk="1" latinLnBrk="0" hangingPunct="1">
+                <a:defRPr sz="1800" kern="1200">
+                  <a:solidFill>
+                    <a:schemeClr val="lt1"/>
+                  </a:solidFill>
+                  <a:latin typeface="+mn-lt"/>
+                  <a:ea typeface="+mn-ea"/>
+                  <a:cs typeface="+mn-cs"/>
+                </a:defRPr>
+              </a:lvl1pPr>
+              <a:lvl2pPr marL="457200" algn="l" defTabSz="914400" rtl="0" eaLnBrk="1" latinLnBrk="0" hangingPunct="1">
+                <a:defRPr sz="1800" kern="1200">
+                  <a:solidFill>
+                    <a:schemeClr val="lt1"/>
+                  </a:solidFill>
+                  <a:latin typeface="+mn-lt"/>
+                  <a:ea typeface="+mn-ea"/>
+                  <a:cs typeface="+mn-cs"/>
+                </a:defRPr>
+              </a:lvl2pPr>
+              <a:lvl3pPr marL="914400" algn="l" defTabSz="914400" rtl="0" eaLnBrk="1" latinLnBrk="0" hangingPunct="1">
+                <a:defRPr sz="1800" kern="1200">
+                  <a:solidFill>
+                    <a:schemeClr val="lt1"/>
+                  </a:solidFill>
+                  <a:latin typeface="+mn-lt"/>
+                  <a:ea typeface="+mn-ea"/>
+                  <a:cs typeface="+mn-cs"/>
+                </a:defRPr>
+              </a:lvl3pPr>
+              <a:lvl4pPr marL="1371600" algn="l" defTabSz="914400" rtl="0" eaLnBrk="1" latinLnBrk="0" hangingPunct="1">
+                <a:defRPr sz="1800" kern="1200">
+                  <a:solidFill>
+                    <a:schemeClr val="lt1"/>
+                  </a:solidFill>
+                  <a:latin typeface="+mn-lt"/>
+                  <a:ea typeface="+mn-ea"/>
+                  <a:cs typeface="+mn-cs"/>
+                </a:defRPr>
+              </a:lvl4pPr>
+              <a:lvl5pPr marL="1828800" algn="l" defTabSz="914400" rtl="0" eaLnBrk="1" latinLnBrk="0" hangingPunct="1">
+                <a:defRPr sz="1800" kern="1200">
+                  <a:solidFill>
+                    <a:schemeClr val="lt1"/>
+                  </a:solidFill>
+                  <a:latin typeface="+mn-lt"/>
+                  <a:ea typeface="+mn-ea"/>
+                  <a:cs typeface="+mn-cs"/>
+                </a:defRPr>
+              </a:lvl5pPr>
+              <a:lvl6pPr marL="2286000" algn="l" defTabSz="914400" rtl="0" eaLnBrk="1" latinLnBrk="0" hangingPunct="1">
+                <a:defRPr sz="1800" kern="1200">
+                  <a:solidFill>
+                    <a:schemeClr val="lt1"/>
+                  </a:solidFill>
+                  <a:latin typeface="+mn-lt"/>
+                  <a:ea typeface="+mn-ea"/>
+                  <a:cs typeface="+mn-cs"/>
+                </a:defRPr>
+              </a:lvl6pPr>
+              <a:lvl7pPr marL="2743200" algn="l" defTabSz="914400" rtl="0" eaLnBrk="1" latinLnBrk="0" hangingPunct="1">
+                <a:defRPr sz="1800" kern="1200">
+                  <a:solidFill>
+                    <a:schemeClr val="lt1"/>
+                  </a:solidFill>
+                  <a:latin typeface="+mn-lt"/>
+                  <a:ea typeface="+mn-ea"/>
+                  <a:cs typeface="+mn-cs"/>
+                </a:defRPr>
+              </a:lvl7pPr>
+              <a:lvl8pPr marL="3200400" algn="l" defTabSz="914400" rtl="0" eaLnBrk="1" latinLnBrk="0" hangingPunct="1">
+                <a:defRPr sz="1800" kern="1200">
+                  <a:solidFill>
+                    <a:schemeClr val="lt1"/>
+                  </a:solidFill>
+                  <a:latin typeface="+mn-lt"/>
+                  <a:ea typeface="+mn-ea"/>
+                  <a:cs typeface="+mn-cs"/>
+                </a:defRPr>
+              </a:lvl8pPr>
+              <a:lvl9pPr marL="3657600" algn="l" defTabSz="914400" rtl="0" eaLnBrk="1" latinLnBrk="0" hangingPunct="1">
+                <a:defRPr sz="1800" kern="1200">
+                  <a:solidFill>
+                    <a:schemeClr val="lt1"/>
+                  </a:solidFill>
+                  <a:latin typeface="+mn-lt"/>
+                  <a:ea typeface="+mn-ea"/>
+                  <a:cs typeface="+mn-cs"/>
+                </a:defRPr>
+              </a:lvl9pPr>
+            </a:lstStyle>
+            <a:p>
+              <a:pPr algn="ctr"/>
+              <a:r>
+                <a:rPr lang="nl-NL" sz="1200" dirty="0" err="1"/>
+                <a:t>etc</a:t>
+              </a:r>
+              <a:r>
+                <a:rPr lang="nl-NL" sz="1200" dirty="0"/>
+                <a:t>…</a:t>
+              </a:r>
+            </a:p>
+          </p:txBody>
+        </p:sp>
+        <p:sp>
+          <p:nvSpPr>
+            <p:cNvPr id="32" name="Afgeschuind diagonale hoek rechthoek 65">
+              <a:extLst>
+                <a:ext uri="{FF2B5EF4-FFF2-40B4-BE49-F238E27FC236}">
+                  <a16:creationId xmlns:a16="http://schemas.microsoft.com/office/drawing/2014/main" id="{470078B2-7312-45A9-AEF1-D5843AA101A4}"/>
+                </a:ext>
+              </a:extLst>
+            </p:cNvPr>
+            <p:cNvSpPr/>
+            <p:nvPr/>
+          </p:nvSpPr>
+          <p:spPr>
+            <a:xfrm>
+              <a:off x="5161349" y="3263983"/>
+              <a:ext cx="2133601" cy="413657"/>
+            </a:xfrm>
+            <a:prstGeom prst="snip2DiagRect">
+              <a:avLst/>
+            </a:prstGeom>
+            <a:solidFill>
+              <a:schemeClr val="bg2">
+                <a:lumMod val="90000"/>
+              </a:schemeClr>
+            </a:solidFill>
+          </p:spPr>
+          <p:style>
+            <a:lnRef idx="2">
+              <a:schemeClr val="accent1">
+                <a:shade val="50000"/>
+              </a:schemeClr>
+            </a:lnRef>
+            <a:fillRef idx="1">
+              <a:schemeClr val="accent1"/>
+            </a:fillRef>
+            <a:effectRef idx="0">
+              <a:schemeClr val="accent1"/>
+            </a:effectRef>
+            <a:fontRef idx="minor">
+              <a:schemeClr val="lt1"/>
+            </a:fontRef>
+          </p:style>
+          <p:txBody>
+            <a:bodyPr rtlCol="0" anchor="ctr"/>
+            <a:lstStyle>
+              <a:defPPr>
+                <a:defRPr lang="nl-NL"/>
+              </a:defPPr>
+              <a:lvl1pPr marL="0" algn="l" defTabSz="914400" rtl="0" eaLnBrk="1" latinLnBrk="0" hangingPunct="1">
+                <a:defRPr sz="1800" kern="1200">
+                  <a:solidFill>
+                    <a:schemeClr val="lt1"/>
+                  </a:solidFill>
+                  <a:latin typeface="+mn-lt"/>
+                  <a:ea typeface="+mn-ea"/>
+                  <a:cs typeface="+mn-cs"/>
+                </a:defRPr>
+              </a:lvl1pPr>
+              <a:lvl2pPr marL="457200" algn="l" defTabSz="914400" rtl="0" eaLnBrk="1" latinLnBrk="0" hangingPunct="1">
+                <a:defRPr sz="1800" kern="1200">
+                  <a:solidFill>
+                    <a:schemeClr val="lt1"/>
+                  </a:solidFill>
+                  <a:latin typeface="+mn-lt"/>
+                  <a:ea typeface="+mn-ea"/>
+                  <a:cs typeface="+mn-cs"/>
+                </a:defRPr>
+              </a:lvl2pPr>
+              <a:lvl3pPr marL="914400" algn="l" defTabSz="914400" rtl="0" eaLnBrk="1" latinLnBrk="0" hangingPunct="1">
+                <a:defRPr sz="1800" kern="1200">
+                  <a:solidFill>
+                    <a:schemeClr val="lt1"/>
+                  </a:solidFill>
+                  <a:latin typeface="+mn-lt"/>
+                  <a:ea typeface="+mn-ea"/>
+                  <a:cs typeface="+mn-cs"/>
+                </a:defRPr>
+              </a:lvl3pPr>
+              <a:lvl4pPr marL="1371600" algn="l" defTabSz="914400" rtl="0" eaLnBrk="1" latinLnBrk="0" hangingPunct="1">
+                <a:defRPr sz="1800" kern="1200">
+                  <a:solidFill>
+                    <a:schemeClr val="lt1"/>
+                  </a:solidFill>
+                  <a:latin typeface="+mn-lt"/>
+                  <a:ea typeface="+mn-ea"/>
+                  <a:cs typeface="+mn-cs"/>
+                </a:defRPr>
+              </a:lvl4pPr>
+              <a:lvl5pPr marL="1828800" algn="l" defTabSz="914400" rtl="0" eaLnBrk="1" latinLnBrk="0" hangingPunct="1">
+                <a:defRPr sz="1800" kern="1200">
+                  <a:solidFill>
+                    <a:schemeClr val="lt1"/>
+                  </a:solidFill>
+                  <a:latin typeface="+mn-lt"/>
+                  <a:ea typeface="+mn-ea"/>
+                  <a:cs typeface="+mn-cs"/>
+                </a:defRPr>
+              </a:lvl5pPr>
+              <a:lvl6pPr marL="2286000" algn="l" defTabSz="914400" rtl="0" eaLnBrk="1" latinLnBrk="0" hangingPunct="1">
+                <a:defRPr sz="1800" kern="1200">
+                  <a:solidFill>
+                    <a:schemeClr val="lt1"/>
+                  </a:solidFill>
+                  <a:latin typeface="+mn-lt"/>
+                  <a:ea typeface="+mn-ea"/>
+                  <a:cs typeface="+mn-cs"/>
+                </a:defRPr>
+              </a:lvl6pPr>
+              <a:lvl7pPr marL="2743200" algn="l" defTabSz="914400" rtl="0" eaLnBrk="1" latinLnBrk="0" hangingPunct="1">
+                <a:defRPr sz="1800" kern="1200">
+                  <a:solidFill>
+                    <a:schemeClr val="lt1"/>
+                  </a:solidFill>
+                  <a:latin typeface="+mn-lt"/>
+                  <a:ea typeface="+mn-ea"/>
+                  <a:cs typeface="+mn-cs"/>
+                </a:defRPr>
+              </a:lvl7pPr>
+              <a:lvl8pPr marL="3200400" algn="l" defTabSz="914400" rtl="0" eaLnBrk="1" latinLnBrk="0" hangingPunct="1">
+                <a:defRPr sz="1800" kern="1200">
+                  <a:solidFill>
+                    <a:schemeClr val="lt1"/>
+                  </a:solidFill>
+                  <a:latin typeface="+mn-lt"/>
+                  <a:ea typeface="+mn-ea"/>
+                  <a:cs typeface="+mn-cs"/>
+                </a:defRPr>
+              </a:lvl8pPr>
+              <a:lvl9pPr marL="3657600" algn="l" defTabSz="914400" rtl="0" eaLnBrk="1" latinLnBrk="0" hangingPunct="1">
+                <a:defRPr sz="1800" kern="1200">
+                  <a:solidFill>
+                    <a:schemeClr val="lt1"/>
+                  </a:solidFill>
+                  <a:latin typeface="+mn-lt"/>
+                  <a:ea typeface="+mn-ea"/>
+                  <a:cs typeface="+mn-cs"/>
+                </a:defRPr>
+              </a:lvl9pPr>
+            </a:lstStyle>
+            <a:p>
+              <a:pPr algn="ctr"/>
+              <a:r>
+                <a:rPr lang="nl-NL" sz="1200" dirty="0" err="1"/>
+                <a:t>delete_detection</a:t>
+              </a:r>
+              <a:endParaRPr lang="nl-NL" sz="1200" dirty="0"/>
+            </a:p>
+          </p:txBody>
+        </p:sp>
+      </p:grpSp>
+      <p:cxnSp>
+        <p:nvCxnSpPr>
+          <p:cNvPr id="33" name="Rechte verbindingslijn met pijl 17">
+            <a:extLst>
+              <a:ext uri="{FF2B5EF4-FFF2-40B4-BE49-F238E27FC236}">
+                <a16:creationId xmlns:a16="http://schemas.microsoft.com/office/drawing/2014/main" id="{A9DA80D4-0B72-43DD-80FA-C04F44D5D2F5}"/>
+              </a:ext>
+            </a:extLst>
+          </p:cNvPr>
+          <p:cNvCxnSpPr>
+            <a:cxnSpLocks/>
+            <a:endCxn id="26" idx="2"/>
+          </p:cNvCxnSpPr>
+          <p:nvPr/>
+        </p:nvCxnSpPr>
+        <p:spPr>
+          <a:xfrm flipV="1">
+            <a:off x="2874283" y="1486075"/>
+            <a:ext cx="2542131" cy="1173292"/>
+          </a:xfrm>
+          <a:prstGeom prst="straightConnector1">
+            <a:avLst/>
+          </a:prstGeom>
+          <a:ln>
+            <a:tailEnd type="arrow"/>
+          </a:ln>
+        </p:spPr>
+        <p:style>
+          <a:lnRef idx="1">
+            <a:schemeClr val="accent1"/>
+          </a:lnRef>
+          <a:fillRef idx="0">
+            <a:schemeClr val="accent1"/>
+          </a:fillRef>
+          <a:effectRef idx="0">
+            <a:schemeClr val="accent1"/>
+          </a:effectRef>
+          <a:fontRef idx="minor">
+            <a:schemeClr val="tx1"/>
+          </a:fontRef>
+        </p:style>
+      </p:cxnSp>
+      <p:cxnSp>
+        <p:nvCxnSpPr>
+          <p:cNvPr id="34" name="Rechte verbindingslijn met pijl 17">
+            <a:extLst>
+              <a:ext uri="{FF2B5EF4-FFF2-40B4-BE49-F238E27FC236}">
+                <a16:creationId xmlns:a16="http://schemas.microsoft.com/office/drawing/2014/main" id="{47D33329-40C5-4E54-9F35-3832D4A12DB6}"/>
+              </a:ext>
+            </a:extLst>
+          </p:cNvPr>
+          <p:cNvCxnSpPr>
+            <a:cxnSpLocks/>
+            <a:endCxn id="28" idx="2"/>
+          </p:cNvCxnSpPr>
+          <p:nvPr/>
+        </p:nvCxnSpPr>
+        <p:spPr>
+          <a:xfrm flipV="1">
+            <a:off x="2874282" y="2154531"/>
+            <a:ext cx="2536970" cy="527678"/>
+          </a:xfrm>
+          <a:prstGeom prst="straightConnector1">
+            <a:avLst/>
+          </a:prstGeom>
+          <a:ln>
+            <a:tailEnd type="arrow"/>
+          </a:ln>
+        </p:spPr>
+        <p:style>
+          <a:lnRef idx="1">
+            <a:schemeClr val="accent1"/>
+          </a:lnRef>
+          <a:fillRef idx="0">
+            <a:schemeClr val="accent1"/>
+          </a:fillRef>
+          <a:effectRef idx="0">
+            <a:schemeClr val="accent1"/>
+          </a:effectRef>
+          <a:fontRef idx="minor">
+            <a:schemeClr val="tx1"/>
+          </a:fontRef>
+        </p:style>
+      </p:cxnSp>
+      <p:cxnSp>
+        <p:nvCxnSpPr>
+          <p:cNvPr id="36" name="Rechte verbindingslijn met pijl 17">
+            <a:extLst>
+              <a:ext uri="{FF2B5EF4-FFF2-40B4-BE49-F238E27FC236}">
+                <a16:creationId xmlns:a16="http://schemas.microsoft.com/office/drawing/2014/main" id="{CE835926-0FCD-442A-A60F-29B0C7C2022F}"/>
+              </a:ext>
+            </a:extLst>
+          </p:cNvPr>
+          <p:cNvCxnSpPr>
+            <a:cxnSpLocks/>
+            <a:endCxn id="30" idx="2"/>
+          </p:cNvCxnSpPr>
+          <p:nvPr/>
+        </p:nvCxnSpPr>
+        <p:spPr>
+          <a:xfrm flipV="1">
+            <a:off x="3316724" y="2775017"/>
+            <a:ext cx="2094527" cy="2042132"/>
+          </a:xfrm>
+          <a:prstGeom prst="straightConnector1">
+            <a:avLst/>
+          </a:prstGeom>
+          <a:ln>
+            <a:tailEnd type="arrow"/>
+          </a:ln>
+        </p:spPr>
+        <p:style>
+          <a:lnRef idx="1">
+            <a:schemeClr val="accent1"/>
+          </a:lnRef>
+          <a:fillRef idx="0">
+            <a:schemeClr val="accent1"/>
+          </a:fillRef>
+          <a:effectRef idx="0">
+            <a:schemeClr val="accent1"/>
+          </a:effectRef>
+          <a:fontRef idx="minor">
+            <a:schemeClr val="tx1"/>
+          </a:fontRef>
+        </p:style>
+      </p:cxnSp>
+      <p:cxnSp>
+        <p:nvCxnSpPr>
+          <p:cNvPr id="38" name="Rechte verbindingslijn met pijl 17">
+            <a:extLst>
+              <a:ext uri="{FF2B5EF4-FFF2-40B4-BE49-F238E27FC236}">
+                <a16:creationId xmlns:a16="http://schemas.microsoft.com/office/drawing/2014/main" id="{085348A2-38EA-4016-9A13-F1185283D89A}"/>
+              </a:ext>
+            </a:extLst>
+          </p:cNvPr>
+          <p:cNvCxnSpPr>
+            <a:cxnSpLocks/>
+            <a:stCxn id="18" idx="3"/>
+            <a:endCxn id="32" idx="2"/>
+          </p:cNvCxnSpPr>
+          <p:nvPr/>
+        </p:nvCxnSpPr>
+        <p:spPr>
+          <a:xfrm flipV="1">
+            <a:off x="3583297" y="3462315"/>
+            <a:ext cx="1827953" cy="270098"/>
+          </a:xfrm>
+          <a:prstGeom prst="straightConnector1">
+            <a:avLst/>
+          </a:prstGeom>
+          <a:ln>
+            <a:tailEnd type="arrow"/>
+          </a:ln>
+        </p:spPr>
+        <p:style>
+          <a:lnRef idx="1">
+            <a:schemeClr val="accent1"/>
+          </a:lnRef>
+          <a:fillRef idx="0">
+            <a:schemeClr val="accent1"/>
+          </a:fillRef>
+          <a:effectRef idx="0">
+            <a:schemeClr val="accent1"/>
+          </a:effectRef>
+          <a:fontRef idx="minor">
+            <a:schemeClr val="tx1"/>
+          </a:fontRef>
+        </p:style>
+      </p:cxnSp>
+      <p:sp>
+        <p:nvSpPr>
+          <p:cNvPr id="41" name="Tekstvak 44">
+            <a:extLst>
+              <a:ext uri="{FF2B5EF4-FFF2-40B4-BE49-F238E27FC236}">
+                <a16:creationId xmlns:a16="http://schemas.microsoft.com/office/drawing/2014/main" id="{BA1E9145-353D-4276-A8D6-BF246A23706E}"/>
+              </a:ext>
+            </a:extLst>
+          </p:cNvPr>
+          <p:cNvSpPr txBox="1"/>
+          <p:nvPr/>
+        </p:nvSpPr>
+        <p:spPr>
+          <a:xfrm>
+            <a:off x="291038" y="5723143"/>
+            <a:ext cx="1505990" cy="646331"/>
+          </a:xfrm>
+          <a:prstGeom prst="rect">
+            <a:avLst/>
+          </a:prstGeom>
+          <a:noFill/>
+        </p:spPr>
+        <p:txBody>
+          <a:bodyPr wrap="none" rtlCol="0">
+            <a:spAutoFit/>
+          </a:bodyPr>
+          <a:lstStyle>
+            <a:defPPr>
+              <a:defRPr lang="nl-NL"/>
+            </a:defPPr>
+            <a:lvl1pPr marL="0" algn="l" defTabSz="914400" rtl="0" eaLnBrk="1" latinLnBrk="0" hangingPunct="1">
+              <a:defRPr sz="1800" kern="1200">
+                <a:solidFill>
+                  <a:schemeClr val="tx1"/>
+                </a:solidFill>
+                <a:latin typeface="+mn-lt"/>
+                <a:ea typeface="+mn-ea"/>
+                <a:cs typeface="+mn-cs"/>
+              </a:defRPr>
+            </a:lvl1pPr>
+            <a:lvl2pPr marL="457200" algn="l" defTabSz="914400" rtl="0" eaLnBrk="1" latinLnBrk="0" hangingPunct="1">
+              <a:defRPr sz="1800" kern="1200">
+                <a:solidFill>
+                  <a:schemeClr val="tx1"/>
+                </a:solidFill>
+                <a:latin typeface="+mn-lt"/>
+                <a:ea typeface="+mn-ea"/>
+                <a:cs typeface="+mn-cs"/>
+              </a:defRPr>
+            </a:lvl2pPr>
+            <a:lvl3pPr marL="914400" algn="l" defTabSz="914400" rtl="0" eaLnBrk="1" latinLnBrk="0" hangingPunct="1">
+              <a:defRPr sz="1800" kern="1200">
+                <a:solidFill>
+                  <a:schemeClr val="tx1"/>
+                </a:solidFill>
+                <a:latin typeface="+mn-lt"/>
+                <a:ea typeface="+mn-ea"/>
+                <a:cs typeface="+mn-cs"/>
+              </a:defRPr>
+            </a:lvl3pPr>
+            <a:lvl4pPr marL="1371600" algn="l" defTabSz="914400" rtl="0" eaLnBrk="1" latinLnBrk="0" hangingPunct="1">
+              <a:defRPr sz="1800" kern="1200">
+                <a:solidFill>
+                  <a:schemeClr val="tx1"/>
+                </a:solidFill>
+                <a:latin typeface="+mn-lt"/>
+                <a:ea typeface="+mn-ea"/>
+                <a:cs typeface="+mn-cs"/>
+              </a:defRPr>
+            </a:lvl4pPr>
+            <a:lvl5pPr marL="1828800" algn="l" defTabSz="914400" rtl="0" eaLnBrk="1" latinLnBrk="0" hangingPunct="1">
+              <a:defRPr sz="1800" kern="1200">
+                <a:solidFill>
+                  <a:schemeClr val="tx1"/>
+                </a:solidFill>
+                <a:latin typeface="+mn-lt"/>
+                <a:ea typeface="+mn-ea"/>
+                <a:cs typeface="+mn-cs"/>
+              </a:defRPr>
+            </a:lvl5pPr>
+            <a:lvl6pPr marL="2286000" algn="l" defTabSz="914400" rtl="0" eaLnBrk="1" latinLnBrk="0" hangingPunct="1">
+              <a:defRPr sz="1800" kern="1200">
+                <a:solidFill>
+                  <a:schemeClr val="tx1"/>
+                </a:solidFill>
+                <a:latin typeface="+mn-lt"/>
+                <a:ea typeface="+mn-ea"/>
+                <a:cs typeface="+mn-cs"/>
+              </a:defRPr>
+            </a:lvl6pPr>
+            <a:lvl7pPr marL="2743200" algn="l" defTabSz="914400" rtl="0" eaLnBrk="1" latinLnBrk="0" hangingPunct="1">
+              <a:defRPr sz="1800" kern="1200">
+                <a:solidFill>
+                  <a:schemeClr val="tx1"/>
+                </a:solidFill>
+                <a:latin typeface="+mn-lt"/>
+                <a:ea typeface="+mn-ea"/>
+                <a:cs typeface="+mn-cs"/>
+              </a:defRPr>
+            </a:lvl7pPr>
+            <a:lvl8pPr marL="3200400" algn="l" defTabSz="914400" rtl="0" eaLnBrk="1" latinLnBrk="0" hangingPunct="1">
+              <a:defRPr sz="1800" kern="1200">
+                <a:solidFill>
+                  <a:schemeClr val="tx1"/>
+                </a:solidFill>
+                <a:latin typeface="+mn-lt"/>
+                <a:ea typeface="+mn-ea"/>
+                <a:cs typeface="+mn-cs"/>
+              </a:defRPr>
+            </a:lvl8pPr>
+            <a:lvl9pPr marL="3657600" algn="l" defTabSz="914400" rtl="0" eaLnBrk="1" latinLnBrk="0" hangingPunct="1">
+              <a:defRPr sz="1800" kern="1200">
+                <a:solidFill>
+                  <a:schemeClr val="tx1"/>
+                </a:solidFill>
+                <a:latin typeface="+mn-lt"/>
+                <a:ea typeface="+mn-ea"/>
+                <a:cs typeface="+mn-cs"/>
+              </a:defRPr>
+            </a:lvl9pPr>
+          </a:lstStyle>
+          <a:p>
+            <a:r>
+              <a:rPr lang="nl-NL" sz="1200" dirty="0" err="1"/>
+              <a:t>exec</a:t>
+            </a:r>
+            <a:r>
+              <a:rPr lang="nl-NL" sz="1200" dirty="0"/>
+              <a:t> info</a:t>
+            </a:r>
+            <a:br>
+              <a:rPr lang="nl-NL" sz="1200" dirty="0"/>
+            </a:br>
+            <a:r>
+              <a:rPr lang="nl-NL" sz="1200" dirty="0"/>
+              <a:t>select * </a:t>
+            </a:r>
+            <a:r>
+              <a:rPr lang="nl-NL" sz="1200" dirty="0" err="1"/>
+              <a:t>from</a:t>
+            </a:r>
+            <a:r>
+              <a:rPr lang="nl-NL" sz="1200" dirty="0"/>
+              <a:t> </a:t>
+            </a:r>
+            <a:r>
+              <a:rPr lang="nl-NL" sz="1200" dirty="0" err="1"/>
+              <a:t>obj_ext</a:t>
+            </a:r>
+            <a:br>
+              <a:rPr lang="nl-NL" sz="1200" dirty="0"/>
+            </a:br>
+            <a:r>
+              <a:rPr lang="nl-NL" sz="1200" dirty="0"/>
+              <a:t>select * </a:t>
+            </a:r>
+            <a:r>
+              <a:rPr lang="nl-NL" sz="1200" dirty="0" err="1"/>
+              <a:t>from</a:t>
+            </a:r>
+            <a:r>
+              <a:rPr lang="nl-NL" sz="1200" dirty="0"/>
+              <a:t> </a:t>
+            </a:r>
+            <a:r>
+              <a:rPr lang="nl-NL" sz="1200" dirty="0" err="1"/>
+              <a:t>col_ext</a:t>
+            </a:r>
+            <a:endParaRPr lang="nl-NL" sz="1200" dirty="0"/>
+          </a:p>
+        </p:txBody>
+      </p:sp>
+    </p:spTree>
+    <p:extLst>
+      <p:ext uri="{BB962C8B-B14F-4D97-AF65-F5344CB8AC3E}">
+        <p14:creationId xmlns:p14="http://schemas.microsoft.com/office/powerpoint/2010/main" val="2987220049"/>
+      </p:ext>
+    </p:extLst>
+  </p:cSld>
+  <p:clrMapOvr>
+    <a:masterClrMapping/>
+  </p:clrMapOvr>
+</p:sld>
+</file>
+
+<file path=ppt/slides/slide4.xml><?xml version="1.0" encoding="utf-8"?>
+<p:sld xmlns:a="http://schemas.openxmlformats.org/drawingml/2006/main" xmlns:r="http://schemas.openxmlformats.org/officeDocument/2006/relationships" xmlns:p="http://schemas.openxmlformats.org/presentationml/2006/main">
+  <p:cSld>
+    <p:spTree>
+      <p:nvGrpSpPr>
+        <p:cNvPr id="1" name=""/>
+        <p:cNvGrpSpPr/>
+        <p:nvPr/>
+      </p:nvGrpSpPr>
+      <p:grpSpPr>
+        <a:xfrm>
+          <a:off x="0" y="0"/>
+          <a:ext cx="0" cy="0"/>
+          <a:chOff x="0" y="0"/>
+          <a:chExt cx="0" cy="0"/>
+        </a:xfrm>
+      </p:grpSpPr>
+      <p:sp>
+        <p:nvSpPr>
+          <p:cNvPr id="5" name="Stroomdiagram: Magnetische schijf 4">
+            <a:extLst>
+              <a:ext uri="{FF2B5EF4-FFF2-40B4-BE49-F238E27FC236}">
+                <a16:creationId xmlns:a16="http://schemas.microsoft.com/office/drawing/2014/main" id="{F3ECBCE2-B74A-4ABA-9838-A4085C9C92BE}"/>
+              </a:ext>
+            </a:extLst>
+          </p:cNvPr>
+          <p:cNvSpPr/>
+          <p:nvPr/>
+        </p:nvSpPr>
+        <p:spPr>
+          <a:xfrm>
+            <a:off x="747720" y="2498219"/>
+            <a:ext cx="985108" cy="428376"/>
+          </a:xfrm>
+          <a:prstGeom prst="flowChartMagneticDisk">
+            <a:avLst/>
+          </a:prstGeom>
+          <a:solidFill>
+            <a:srgbClr val="BFD8EF"/>
+          </a:solidFill>
+        </p:spPr>
+        <p:style>
+          <a:lnRef idx="2">
+            <a:schemeClr val="accent1">
+              <a:shade val="50000"/>
+            </a:schemeClr>
+          </a:lnRef>
+          <a:fillRef idx="1">
+            <a:schemeClr val="accent1"/>
+          </a:fillRef>
+          <a:effectRef idx="0">
+            <a:schemeClr val="accent1"/>
+          </a:effectRef>
+          <a:fontRef idx="minor">
+            <a:schemeClr val="lt1"/>
+          </a:fontRef>
+        </p:style>
+        <p:txBody>
+          <a:bodyPr rtlCol="0" anchor="ctr"/>
+          <a:lstStyle>
+            <a:defPPr>
+              <a:defRPr lang="nl-NL"/>
+            </a:defPPr>
+            <a:lvl1pPr marL="0" algn="l" defTabSz="914400" rtl="0" eaLnBrk="1" latinLnBrk="0" hangingPunct="1">
+              <a:defRPr sz="1800" kern="1200">
+                <a:solidFill>
+                  <a:schemeClr val="lt1"/>
+                </a:solidFill>
+                <a:latin typeface="+mn-lt"/>
+                <a:ea typeface="+mn-ea"/>
+                <a:cs typeface="+mn-cs"/>
+              </a:defRPr>
+            </a:lvl1pPr>
+            <a:lvl2pPr marL="457200" algn="l" defTabSz="914400" rtl="0" eaLnBrk="1" latinLnBrk="0" hangingPunct="1">
+              <a:defRPr sz="1800" kern="1200">
+                <a:solidFill>
+                  <a:schemeClr val="lt1"/>
+                </a:solidFill>
+                <a:latin typeface="+mn-lt"/>
+                <a:ea typeface="+mn-ea"/>
+                <a:cs typeface="+mn-cs"/>
+              </a:defRPr>
+            </a:lvl2pPr>
+            <a:lvl3pPr marL="914400" algn="l" defTabSz="914400" rtl="0" eaLnBrk="1" latinLnBrk="0" hangingPunct="1">
+              <a:defRPr sz="1800" kern="1200">
+                <a:solidFill>
+                  <a:schemeClr val="lt1"/>
+                </a:solidFill>
+                <a:latin typeface="+mn-lt"/>
+                <a:ea typeface="+mn-ea"/>
+                <a:cs typeface="+mn-cs"/>
+              </a:defRPr>
+            </a:lvl3pPr>
+            <a:lvl4pPr marL="1371600" algn="l" defTabSz="914400" rtl="0" eaLnBrk="1" latinLnBrk="0" hangingPunct="1">
+              <a:defRPr sz="1800" kern="1200">
+                <a:solidFill>
+                  <a:schemeClr val="lt1"/>
+                </a:solidFill>
+                <a:latin typeface="+mn-lt"/>
+                <a:ea typeface="+mn-ea"/>
+                <a:cs typeface="+mn-cs"/>
+              </a:defRPr>
+            </a:lvl4pPr>
+            <a:lvl5pPr marL="1828800" algn="l" defTabSz="914400" rtl="0" eaLnBrk="1" latinLnBrk="0" hangingPunct="1">
+              <a:defRPr sz="1800" kern="1200">
+                <a:solidFill>
+                  <a:schemeClr val="lt1"/>
+                </a:solidFill>
+                <a:latin typeface="+mn-lt"/>
+                <a:ea typeface="+mn-ea"/>
+                <a:cs typeface="+mn-cs"/>
+              </a:defRPr>
+            </a:lvl5pPr>
+            <a:lvl6pPr marL="2286000" algn="l" defTabSz="914400" rtl="0" eaLnBrk="1" latinLnBrk="0" hangingPunct="1">
+              <a:defRPr sz="1800" kern="1200">
+                <a:solidFill>
+                  <a:schemeClr val="lt1"/>
+                </a:solidFill>
+                <a:latin typeface="+mn-lt"/>
+                <a:ea typeface="+mn-ea"/>
+                <a:cs typeface="+mn-cs"/>
+              </a:defRPr>
+            </a:lvl6pPr>
+            <a:lvl7pPr marL="2743200" algn="l" defTabSz="914400" rtl="0" eaLnBrk="1" latinLnBrk="0" hangingPunct="1">
+              <a:defRPr sz="1800" kern="1200">
+                <a:solidFill>
+                  <a:schemeClr val="lt1"/>
+                </a:solidFill>
+                <a:latin typeface="+mn-lt"/>
+                <a:ea typeface="+mn-ea"/>
+                <a:cs typeface="+mn-cs"/>
+              </a:defRPr>
+            </a:lvl7pPr>
+            <a:lvl8pPr marL="3200400" algn="l" defTabSz="914400" rtl="0" eaLnBrk="1" latinLnBrk="0" hangingPunct="1">
+              <a:defRPr sz="1800" kern="1200">
+                <a:solidFill>
+                  <a:schemeClr val="lt1"/>
+                </a:solidFill>
+                <a:latin typeface="+mn-lt"/>
+                <a:ea typeface="+mn-ea"/>
+                <a:cs typeface="+mn-cs"/>
+              </a:defRPr>
+            </a:lvl8pPr>
+            <a:lvl9pPr marL="3657600" algn="l" defTabSz="914400" rtl="0" eaLnBrk="1" latinLnBrk="0" hangingPunct="1">
+              <a:defRPr sz="1800" kern="1200">
+                <a:solidFill>
+                  <a:schemeClr val="lt1"/>
+                </a:solidFill>
+                <a:latin typeface="+mn-lt"/>
+                <a:ea typeface="+mn-ea"/>
+                <a:cs typeface="+mn-cs"/>
+              </a:defRPr>
+            </a:lvl9pPr>
+          </a:lstStyle>
+          <a:p>
+            <a:pPr algn="ctr"/>
+            <a:r>
+              <a:rPr lang="nl-NL" dirty="0"/>
+              <a:t>schema</a:t>
+            </a:r>
+          </a:p>
+        </p:txBody>
+      </p:sp>
+      <p:sp>
+        <p:nvSpPr>
+          <p:cNvPr id="6" name="Stroomdiagram: Meerdere documenten 5">
+            <a:extLst>
+              <a:ext uri="{FF2B5EF4-FFF2-40B4-BE49-F238E27FC236}">
+                <a16:creationId xmlns:a16="http://schemas.microsoft.com/office/drawing/2014/main" id="{4C5A777F-C1F0-45BE-B89C-0C40452FB13B}"/>
+              </a:ext>
+            </a:extLst>
+          </p:cNvPr>
+          <p:cNvSpPr/>
+          <p:nvPr/>
+        </p:nvSpPr>
+        <p:spPr>
+          <a:xfrm>
+            <a:off x="642827" y="3454386"/>
+            <a:ext cx="828642" cy="708454"/>
+          </a:xfrm>
+          <a:prstGeom prst="flowChartMultidocument">
+            <a:avLst/>
+          </a:prstGeom>
+        </p:spPr>
+        <p:style>
+          <a:lnRef idx="2">
+            <a:schemeClr val="accent3"/>
+          </a:lnRef>
+          <a:fillRef idx="1">
+            <a:schemeClr val="lt1"/>
+          </a:fillRef>
+          <a:effectRef idx="0">
+            <a:schemeClr val="accent3"/>
+          </a:effectRef>
+          <a:fontRef idx="minor">
+            <a:schemeClr val="dk1"/>
+          </a:fontRef>
+        </p:style>
+        <p:txBody>
+          <a:bodyPr rtlCol="0" anchor="ctr"/>
+          <a:lstStyle>
+            <a:defPPr>
+              <a:defRPr lang="nl-NL"/>
+            </a:defPPr>
+            <a:lvl1pPr marL="0" algn="l" defTabSz="914400" rtl="0" eaLnBrk="1" latinLnBrk="0" hangingPunct="1">
+              <a:defRPr sz="1800" kern="1200">
+                <a:solidFill>
+                  <a:schemeClr val="dk1"/>
+                </a:solidFill>
+                <a:latin typeface="+mn-lt"/>
+                <a:ea typeface="+mn-ea"/>
+                <a:cs typeface="+mn-cs"/>
+              </a:defRPr>
+            </a:lvl1pPr>
+            <a:lvl2pPr marL="457200" algn="l" defTabSz="914400" rtl="0" eaLnBrk="1" latinLnBrk="0" hangingPunct="1">
+              <a:defRPr sz="1800" kern="1200">
+                <a:solidFill>
+                  <a:schemeClr val="dk1"/>
+                </a:solidFill>
+                <a:latin typeface="+mn-lt"/>
+                <a:ea typeface="+mn-ea"/>
+                <a:cs typeface="+mn-cs"/>
+              </a:defRPr>
+            </a:lvl2pPr>
+            <a:lvl3pPr marL="914400" algn="l" defTabSz="914400" rtl="0" eaLnBrk="1" latinLnBrk="0" hangingPunct="1">
+              <a:defRPr sz="1800" kern="1200">
+                <a:solidFill>
+                  <a:schemeClr val="dk1"/>
+                </a:solidFill>
+                <a:latin typeface="+mn-lt"/>
+                <a:ea typeface="+mn-ea"/>
+                <a:cs typeface="+mn-cs"/>
+              </a:defRPr>
+            </a:lvl3pPr>
+            <a:lvl4pPr marL="1371600" algn="l" defTabSz="914400" rtl="0" eaLnBrk="1" latinLnBrk="0" hangingPunct="1">
+              <a:defRPr sz="1800" kern="1200">
+                <a:solidFill>
+                  <a:schemeClr val="dk1"/>
+                </a:solidFill>
+                <a:latin typeface="+mn-lt"/>
+                <a:ea typeface="+mn-ea"/>
+                <a:cs typeface="+mn-cs"/>
+              </a:defRPr>
+            </a:lvl4pPr>
+            <a:lvl5pPr marL="1828800" algn="l" defTabSz="914400" rtl="0" eaLnBrk="1" latinLnBrk="0" hangingPunct="1">
+              <a:defRPr sz="1800" kern="1200">
+                <a:solidFill>
+                  <a:schemeClr val="dk1"/>
+                </a:solidFill>
+                <a:latin typeface="+mn-lt"/>
+                <a:ea typeface="+mn-ea"/>
+                <a:cs typeface="+mn-cs"/>
+              </a:defRPr>
+            </a:lvl5pPr>
+            <a:lvl6pPr marL="2286000" algn="l" defTabSz="914400" rtl="0" eaLnBrk="1" latinLnBrk="0" hangingPunct="1">
+              <a:defRPr sz="1800" kern="1200">
+                <a:solidFill>
+                  <a:schemeClr val="dk1"/>
+                </a:solidFill>
+                <a:latin typeface="+mn-lt"/>
+                <a:ea typeface="+mn-ea"/>
+                <a:cs typeface="+mn-cs"/>
+              </a:defRPr>
+            </a:lvl6pPr>
+            <a:lvl7pPr marL="2743200" algn="l" defTabSz="914400" rtl="0" eaLnBrk="1" latinLnBrk="0" hangingPunct="1">
+              <a:defRPr sz="1800" kern="1200">
+                <a:solidFill>
+                  <a:schemeClr val="dk1"/>
+                </a:solidFill>
+                <a:latin typeface="+mn-lt"/>
+                <a:ea typeface="+mn-ea"/>
+                <a:cs typeface="+mn-cs"/>
+              </a:defRPr>
+            </a:lvl7pPr>
+            <a:lvl8pPr marL="3200400" algn="l" defTabSz="914400" rtl="0" eaLnBrk="1" latinLnBrk="0" hangingPunct="1">
+              <a:defRPr sz="1800" kern="1200">
+                <a:solidFill>
+                  <a:schemeClr val="dk1"/>
+                </a:solidFill>
+                <a:latin typeface="+mn-lt"/>
+                <a:ea typeface="+mn-ea"/>
+                <a:cs typeface="+mn-cs"/>
+              </a:defRPr>
+            </a:lvl8pPr>
+            <a:lvl9pPr marL="3657600" algn="l" defTabSz="914400" rtl="0" eaLnBrk="1" latinLnBrk="0" hangingPunct="1">
+              <a:defRPr sz="1800" kern="1200">
+                <a:solidFill>
+                  <a:schemeClr val="dk1"/>
+                </a:solidFill>
+                <a:latin typeface="+mn-lt"/>
+                <a:ea typeface="+mn-ea"/>
+                <a:cs typeface="+mn-cs"/>
+              </a:defRPr>
+            </a:lvl9pPr>
+          </a:lstStyle>
+          <a:p>
+            <a:pPr algn="ctr"/>
+            <a:r>
+              <a:rPr lang="nl-NL" dirty="0" err="1"/>
+              <a:t>Table</a:t>
+            </a:r>
+            <a:r>
+              <a:rPr lang="nl-NL" dirty="0"/>
+              <a:t> A</a:t>
+            </a:r>
+          </a:p>
+        </p:txBody>
+      </p:sp>
+      <p:sp>
+        <p:nvSpPr>
+          <p:cNvPr id="7" name="Stroomdiagram: Magnetische schijf 6">
+            <a:extLst>
+              <a:ext uri="{FF2B5EF4-FFF2-40B4-BE49-F238E27FC236}">
+                <a16:creationId xmlns:a16="http://schemas.microsoft.com/office/drawing/2014/main" id="{6DB54979-B60C-4947-839F-6E951DFE64D5}"/>
+              </a:ext>
+            </a:extLst>
+          </p:cNvPr>
+          <p:cNvSpPr/>
+          <p:nvPr/>
+        </p:nvSpPr>
+        <p:spPr>
+          <a:xfrm>
+            <a:off x="1817195" y="1598449"/>
+            <a:ext cx="1302146" cy="428376"/>
+          </a:xfrm>
+          <a:prstGeom prst="flowChartMagneticDisk">
+            <a:avLst/>
+          </a:prstGeom>
+        </p:spPr>
+        <p:style>
+          <a:lnRef idx="2">
+            <a:schemeClr val="accent1">
+              <a:shade val="50000"/>
+            </a:schemeClr>
+          </a:lnRef>
+          <a:fillRef idx="1">
+            <a:schemeClr val="accent1"/>
+          </a:fillRef>
+          <a:effectRef idx="0">
+            <a:schemeClr val="accent1"/>
+          </a:effectRef>
+          <a:fontRef idx="minor">
+            <a:schemeClr val="lt1"/>
+          </a:fontRef>
+        </p:style>
+        <p:txBody>
+          <a:bodyPr rtlCol="0" anchor="ctr"/>
+          <a:lstStyle>
+            <a:defPPr>
+              <a:defRPr lang="nl-NL"/>
+            </a:defPPr>
+            <a:lvl1pPr marL="0" algn="l" defTabSz="914400" rtl="0" eaLnBrk="1" latinLnBrk="0" hangingPunct="1">
+              <a:defRPr sz="1800" kern="1200">
+                <a:solidFill>
+                  <a:schemeClr val="lt1"/>
+                </a:solidFill>
+                <a:latin typeface="+mn-lt"/>
+                <a:ea typeface="+mn-ea"/>
+                <a:cs typeface="+mn-cs"/>
+              </a:defRPr>
+            </a:lvl1pPr>
+            <a:lvl2pPr marL="457200" algn="l" defTabSz="914400" rtl="0" eaLnBrk="1" latinLnBrk="0" hangingPunct="1">
+              <a:defRPr sz="1800" kern="1200">
+                <a:solidFill>
+                  <a:schemeClr val="lt1"/>
+                </a:solidFill>
+                <a:latin typeface="+mn-lt"/>
+                <a:ea typeface="+mn-ea"/>
+                <a:cs typeface="+mn-cs"/>
+              </a:defRPr>
+            </a:lvl2pPr>
+            <a:lvl3pPr marL="914400" algn="l" defTabSz="914400" rtl="0" eaLnBrk="1" latinLnBrk="0" hangingPunct="1">
+              <a:defRPr sz="1800" kern="1200">
+                <a:solidFill>
+                  <a:schemeClr val="lt1"/>
+                </a:solidFill>
+                <a:latin typeface="+mn-lt"/>
+                <a:ea typeface="+mn-ea"/>
+                <a:cs typeface="+mn-cs"/>
+              </a:defRPr>
+            </a:lvl3pPr>
+            <a:lvl4pPr marL="1371600" algn="l" defTabSz="914400" rtl="0" eaLnBrk="1" latinLnBrk="0" hangingPunct="1">
+              <a:defRPr sz="1800" kern="1200">
+                <a:solidFill>
+                  <a:schemeClr val="lt1"/>
+                </a:solidFill>
+                <a:latin typeface="+mn-lt"/>
+                <a:ea typeface="+mn-ea"/>
+                <a:cs typeface="+mn-cs"/>
+              </a:defRPr>
+            </a:lvl4pPr>
+            <a:lvl5pPr marL="1828800" algn="l" defTabSz="914400" rtl="0" eaLnBrk="1" latinLnBrk="0" hangingPunct="1">
+              <a:defRPr sz="1800" kern="1200">
+                <a:solidFill>
+                  <a:schemeClr val="lt1"/>
+                </a:solidFill>
+                <a:latin typeface="+mn-lt"/>
+                <a:ea typeface="+mn-ea"/>
+                <a:cs typeface="+mn-cs"/>
+              </a:defRPr>
+            </a:lvl5pPr>
+            <a:lvl6pPr marL="2286000" algn="l" defTabSz="914400" rtl="0" eaLnBrk="1" latinLnBrk="0" hangingPunct="1">
+              <a:defRPr sz="1800" kern="1200">
+                <a:solidFill>
+                  <a:schemeClr val="lt1"/>
+                </a:solidFill>
+                <a:latin typeface="+mn-lt"/>
+                <a:ea typeface="+mn-ea"/>
+                <a:cs typeface="+mn-cs"/>
+              </a:defRPr>
+            </a:lvl6pPr>
+            <a:lvl7pPr marL="2743200" algn="l" defTabSz="914400" rtl="0" eaLnBrk="1" latinLnBrk="0" hangingPunct="1">
+              <a:defRPr sz="1800" kern="1200">
+                <a:solidFill>
+                  <a:schemeClr val="lt1"/>
+                </a:solidFill>
+                <a:latin typeface="+mn-lt"/>
+                <a:ea typeface="+mn-ea"/>
+                <a:cs typeface="+mn-cs"/>
+              </a:defRPr>
+            </a:lvl7pPr>
+            <a:lvl8pPr marL="3200400" algn="l" defTabSz="914400" rtl="0" eaLnBrk="1" latinLnBrk="0" hangingPunct="1">
+              <a:defRPr sz="1800" kern="1200">
+                <a:solidFill>
+                  <a:schemeClr val="lt1"/>
+                </a:solidFill>
+                <a:latin typeface="+mn-lt"/>
+                <a:ea typeface="+mn-ea"/>
+                <a:cs typeface="+mn-cs"/>
+              </a:defRPr>
+            </a:lvl8pPr>
+            <a:lvl9pPr marL="3657600" algn="l" defTabSz="914400" rtl="0" eaLnBrk="1" latinLnBrk="0" hangingPunct="1">
+              <a:defRPr sz="1800" kern="1200">
+                <a:solidFill>
+                  <a:schemeClr val="lt1"/>
+                </a:solidFill>
+                <a:latin typeface="+mn-lt"/>
+                <a:ea typeface="+mn-ea"/>
+                <a:cs typeface="+mn-cs"/>
+              </a:defRPr>
+            </a:lvl9pPr>
+          </a:lstStyle>
+          <a:p>
+            <a:pPr algn="ctr"/>
+            <a:r>
+              <a:rPr lang="nl-NL" dirty="0"/>
+              <a:t>Database B</a:t>
+            </a:r>
+          </a:p>
+        </p:txBody>
+      </p:sp>
+      <p:sp>
+        <p:nvSpPr>
+          <p:cNvPr id="8" name="Stroomdiagram: Magnetische schijf 7">
+            <a:extLst>
+              <a:ext uri="{FF2B5EF4-FFF2-40B4-BE49-F238E27FC236}">
+                <a16:creationId xmlns:a16="http://schemas.microsoft.com/office/drawing/2014/main" id="{F6B66DB2-5356-4D99-BA78-531E83B56B35}"/>
+              </a:ext>
+            </a:extLst>
+          </p:cNvPr>
+          <p:cNvSpPr/>
+          <p:nvPr/>
+        </p:nvSpPr>
+        <p:spPr>
+          <a:xfrm>
+            <a:off x="1858383" y="915276"/>
+            <a:ext cx="1107989" cy="428376"/>
+          </a:xfrm>
+          <a:prstGeom prst="flowChartMagneticDisk">
+            <a:avLst/>
+          </a:prstGeom>
+        </p:spPr>
+        <p:style>
+          <a:lnRef idx="2">
+            <a:schemeClr val="accent3">
+              <a:shade val="50000"/>
+            </a:schemeClr>
+          </a:lnRef>
+          <a:fillRef idx="1">
+            <a:schemeClr val="accent3"/>
+          </a:fillRef>
+          <a:effectRef idx="0">
+            <a:schemeClr val="accent3"/>
+          </a:effectRef>
+          <a:fontRef idx="minor">
+            <a:schemeClr val="lt1"/>
+          </a:fontRef>
+        </p:style>
+        <p:txBody>
+          <a:bodyPr rtlCol="0" anchor="ctr"/>
+          <a:lstStyle>
+            <a:defPPr>
+              <a:defRPr lang="nl-NL"/>
+            </a:defPPr>
+            <a:lvl1pPr marL="0" algn="l" defTabSz="914400" rtl="0" eaLnBrk="1" latinLnBrk="0" hangingPunct="1">
+              <a:defRPr sz="1800" kern="1200">
+                <a:solidFill>
+                  <a:schemeClr val="lt1"/>
+                </a:solidFill>
+                <a:latin typeface="+mn-lt"/>
+                <a:ea typeface="+mn-ea"/>
+                <a:cs typeface="+mn-cs"/>
+              </a:defRPr>
+            </a:lvl1pPr>
+            <a:lvl2pPr marL="457200" algn="l" defTabSz="914400" rtl="0" eaLnBrk="1" latinLnBrk="0" hangingPunct="1">
+              <a:defRPr sz="1800" kern="1200">
+                <a:solidFill>
+                  <a:schemeClr val="lt1"/>
+                </a:solidFill>
+                <a:latin typeface="+mn-lt"/>
+                <a:ea typeface="+mn-ea"/>
+                <a:cs typeface="+mn-cs"/>
+              </a:defRPr>
+            </a:lvl2pPr>
+            <a:lvl3pPr marL="914400" algn="l" defTabSz="914400" rtl="0" eaLnBrk="1" latinLnBrk="0" hangingPunct="1">
+              <a:defRPr sz="1800" kern="1200">
+                <a:solidFill>
+                  <a:schemeClr val="lt1"/>
+                </a:solidFill>
+                <a:latin typeface="+mn-lt"/>
+                <a:ea typeface="+mn-ea"/>
+                <a:cs typeface="+mn-cs"/>
+              </a:defRPr>
+            </a:lvl3pPr>
+            <a:lvl4pPr marL="1371600" algn="l" defTabSz="914400" rtl="0" eaLnBrk="1" latinLnBrk="0" hangingPunct="1">
+              <a:defRPr sz="1800" kern="1200">
+                <a:solidFill>
+                  <a:schemeClr val="lt1"/>
+                </a:solidFill>
+                <a:latin typeface="+mn-lt"/>
+                <a:ea typeface="+mn-ea"/>
+                <a:cs typeface="+mn-cs"/>
+              </a:defRPr>
+            </a:lvl4pPr>
+            <a:lvl5pPr marL="1828800" algn="l" defTabSz="914400" rtl="0" eaLnBrk="1" latinLnBrk="0" hangingPunct="1">
+              <a:defRPr sz="1800" kern="1200">
+                <a:solidFill>
+                  <a:schemeClr val="lt1"/>
+                </a:solidFill>
+                <a:latin typeface="+mn-lt"/>
+                <a:ea typeface="+mn-ea"/>
+                <a:cs typeface="+mn-cs"/>
+              </a:defRPr>
+            </a:lvl5pPr>
+            <a:lvl6pPr marL="2286000" algn="l" defTabSz="914400" rtl="0" eaLnBrk="1" latinLnBrk="0" hangingPunct="1">
+              <a:defRPr sz="1800" kern="1200">
+                <a:solidFill>
+                  <a:schemeClr val="lt1"/>
+                </a:solidFill>
+                <a:latin typeface="+mn-lt"/>
+                <a:ea typeface="+mn-ea"/>
+                <a:cs typeface="+mn-cs"/>
+              </a:defRPr>
+            </a:lvl6pPr>
+            <a:lvl7pPr marL="2743200" algn="l" defTabSz="914400" rtl="0" eaLnBrk="1" latinLnBrk="0" hangingPunct="1">
+              <a:defRPr sz="1800" kern="1200">
+                <a:solidFill>
+                  <a:schemeClr val="lt1"/>
+                </a:solidFill>
+                <a:latin typeface="+mn-lt"/>
+                <a:ea typeface="+mn-ea"/>
+                <a:cs typeface="+mn-cs"/>
+              </a:defRPr>
+            </a:lvl7pPr>
+            <a:lvl8pPr marL="3200400" algn="l" defTabSz="914400" rtl="0" eaLnBrk="1" latinLnBrk="0" hangingPunct="1">
+              <a:defRPr sz="1800" kern="1200">
+                <a:solidFill>
+                  <a:schemeClr val="lt1"/>
+                </a:solidFill>
+                <a:latin typeface="+mn-lt"/>
+                <a:ea typeface="+mn-ea"/>
+                <a:cs typeface="+mn-cs"/>
+              </a:defRPr>
+            </a:lvl8pPr>
+            <a:lvl9pPr marL="3657600" algn="l" defTabSz="914400" rtl="0" eaLnBrk="1" latinLnBrk="0" hangingPunct="1">
+              <a:defRPr sz="1800" kern="1200">
+                <a:solidFill>
+                  <a:schemeClr val="lt1"/>
+                </a:solidFill>
+                <a:latin typeface="+mn-lt"/>
+                <a:ea typeface="+mn-ea"/>
+                <a:cs typeface="+mn-cs"/>
+              </a:defRPr>
+            </a:lvl9pPr>
+          </a:lstStyle>
+          <a:p>
+            <a:pPr algn="ctr"/>
+            <a:r>
+              <a:rPr lang="nl-NL" dirty="0"/>
+              <a:t>Server X</a:t>
+            </a:r>
+          </a:p>
+        </p:txBody>
+      </p:sp>
+      <p:sp>
+        <p:nvSpPr>
+          <p:cNvPr id="9" name="Stroomdiagram: Magnetische schijf 9">
+            <a:extLst>
+              <a:ext uri="{FF2B5EF4-FFF2-40B4-BE49-F238E27FC236}">
+                <a16:creationId xmlns:a16="http://schemas.microsoft.com/office/drawing/2014/main" id="{9F0241FD-9F30-46D3-92AB-0D83E75DB4DA}"/>
+              </a:ext>
+            </a:extLst>
+          </p:cNvPr>
+          <p:cNvSpPr/>
+          <p:nvPr/>
+        </p:nvSpPr>
+        <p:spPr>
+          <a:xfrm>
+            <a:off x="445594" y="1593193"/>
+            <a:ext cx="1233829" cy="428376"/>
+          </a:xfrm>
+          <a:prstGeom prst="flowChartMagneticDisk">
+            <a:avLst/>
+          </a:prstGeom>
+        </p:spPr>
+        <p:style>
+          <a:lnRef idx="2">
+            <a:schemeClr val="accent1">
+              <a:shade val="50000"/>
+            </a:schemeClr>
+          </a:lnRef>
+          <a:fillRef idx="1">
+            <a:schemeClr val="accent1"/>
+          </a:fillRef>
+          <a:effectRef idx="0">
+            <a:schemeClr val="accent1"/>
+          </a:effectRef>
+          <a:fontRef idx="minor">
+            <a:schemeClr val="lt1"/>
+          </a:fontRef>
+        </p:style>
+        <p:txBody>
+          <a:bodyPr rtlCol="0" anchor="ctr"/>
+          <a:lstStyle>
+            <a:defPPr>
+              <a:defRPr lang="nl-NL"/>
+            </a:defPPr>
+            <a:lvl1pPr marL="0" algn="l" defTabSz="914400" rtl="0" eaLnBrk="1" latinLnBrk="0" hangingPunct="1">
+              <a:defRPr sz="1800" kern="1200">
+                <a:solidFill>
+                  <a:schemeClr val="lt1"/>
+                </a:solidFill>
+                <a:latin typeface="+mn-lt"/>
+                <a:ea typeface="+mn-ea"/>
+                <a:cs typeface="+mn-cs"/>
+              </a:defRPr>
+            </a:lvl1pPr>
+            <a:lvl2pPr marL="457200" algn="l" defTabSz="914400" rtl="0" eaLnBrk="1" latinLnBrk="0" hangingPunct="1">
+              <a:defRPr sz="1800" kern="1200">
+                <a:solidFill>
+                  <a:schemeClr val="lt1"/>
+                </a:solidFill>
+                <a:latin typeface="+mn-lt"/>
+                <a:ea typeface="+mn-ea"/>
+                <a:cs typeface="+mn-cs"/>
+              </a:defRPr>
+            </a:lvl2pPr>
+            <a:lvl3pPr marL="914400" algn="l" defTabSz="914400" rtl="0" eaLnBrk="1" latinLnBrk="0" hangingPunct="1">
+              <a:defRPr sz="1800" kern="1200">
+                <a:solidFill>
+                  <a:schemeClr val="lt1"/>
+                </a:solidFill>
+                <a:latin typeface="+mn-lt"/>
+                <a:ea typeface="+mn-ea"/>
+                <a:cs typeface="+mn-cs"/>
+              </a:defRPr>
+            </a:lvl3pPr>
+            <a:lvl4pPr marL="1371600" algn="l" defTabSz="914400" rtl="0" eaLnBrk="1" latinLnBrk="0" hangingPunct="1">
+              <a:defRPr sz="1800" kern="1200">
+                <a:solidFill>
+                  <a:schemeClr val="lt1"/>
+                </a:solidFill>
+                <a:latin typeface="+mn-lt"/>
+                <a:ea typeface="+mn-ea"/>
+                <a:cs typeface="+mn-cs"/>
+              </a:defRPr>
+            </a:lvl4pPr>
+            <a:lvl5pPr marL="1828800" algn="l" defTabSz="914400" rtl="0" eaLnBrk="1" latinLnBrk="0" hangingPunct="1">
+              <a:defRPr sz="1800" kern="1200">
+                <a:solidFill>
+                  <a:schemeClr val="lt1"/>
+                </a:solidFill>
+                <a:latin typeface="+mn-lt"/>
+                <a:ea typeface="+mn-ea"/>
+                <a:cs typeface="+mn-cs"/>
+              </a:defRPr>
+            </a:lvl5pPr>
+            <a:lvl6pPr marL="2286000" algn="l" defTabSz="914400" rtl="0" eaLnBrk="1" latinLnBrk="0" hangingPunct="1">
+              <a:defRPr sz="1800" kern="1200">
+                <a:solidFill>
+                  <a:schemeClr val="lt1"/>
+                </a:solidFill>
+                <a:latin typeface="+mn-lt"/>
+                <a:ea typeface="+mn-ea"/>
+                <a:cs typeface="+mn-cs"/>
+              </a:defRPr>
+            </a:lvl6pPr>
+            <a:lvl7pPr marL="2743200" algn="l" defTabSz="914400" rtl="0" eaLnBrk="1" latinLnBrk="0" hangingPunct="1">
+              <a:defRPr sz="1800" kern="1200">
+                <a:solidFill>
+                  <a:schemeClr val="lt1"/>
+                </a:solidFill>
+                <a:latin typeface="+mn-lt"/>
+                <a:ea typeface="+mn-ea"/>
+                <a:cs typeface="+mn-cs"/>
+              </a:defRPr>
+            </a:lvl7pPr>
+            <a:lvl8pPr marL="3200400" algn="l" defTabSz="914400" rtl="0" eaLnBrk="1" latinLnBrk="0" hangingPunct="1">
+              <a:defRPr sz="1800" kern="1200">
+                <a:solidFill>
+                  <a:schemeClr val="lt1"/>
+                </a:solidFill>
+                <a:latin typeface="+mn-lt"/>
+                <a:ea typeface="+mn-ea"/>
+                <a:cs typeface="+mn-cs"/>
+              </a:defRPr>
+            </a:lvl8pPr>
+            <a:lvl9pPr marL="3657600" algn="l" defTabSz="914400" rtl="0" eaLnBrk="1" latinLnBrk="0" hangingPunct="1">
+              <a:defRPr sz="1800" kern="1200">
+                <a:solidFill>
+                  <a:schemeClr val="lt1"/>
+                </a:solidFill>
+                <a:latin typeface="+mn-lt"/>
+                <a:ea typeface="+mn-ea"/>
+                <a:cs typeface="+mn-cs"/>
+              </a:defRPr>
+            </a:lvl9pPr>
+          </a:lstStyle>
+          <a:p>
+            <a:pPr algn="ctr"/>
+            <a:r>
+              <a:rPr lang="nl-NL" dirty="0"/>
+              <a:t>Database A</a:t>
+            </a:r>
+          </a:p>
+        </p:txBody>
+      </p:sp>
+      <p:sp>
+        <p:nvSpPr>
+          <p:cNvPr id="10" name="Stroomdiagram: Magnetische schijf 10">
+            <a:extLst>
+              <a:ext uri="{FF2B5EF4-FFF2-40B4-BE49-F238E27FC236}">
+                <a16:creationId xmlns:a16="http://schemas.microsoft.com/office/drawing/2014/main" id="{113D0670-B53B-49B8-BB8C-204F0C948956}"/>
+              </a:ext>
+            </a:extLst>
+          </p:cNvPr>
+          <p:cNvSpPr/>
+          <p:nvPr/>
+        </p:nvSpPr>
+        <p:spPr>
+          <a:xfrm>
+            <a:off x="3288643" y="1619469"/>
+            <a:ext cx="1312658" cy="428376"/>
+          </a:xfrm>
+          <a:prstGeom prst="flowChartMagneticDisk">
+            <a:avLst/>
+          </a:prstGeom>
+        </p:spPr>
+        <p:style>
+          <a:lnRef idx="2">
+            <a:schemeClr val="accent1">
+              <a:shade val="50000"/>
+            </a:schemeClr>
+          </a:lnRef>
+          <a:fillRef idx="1">
+            <a:schemeClr val="accent1"/>
+          </a:fillRef>
+          <a:effectRef idx="0">
+            <a:schemeClr val="accent1"/>
+          </a:effectRef>
+          <a:fontRef idx="minor">
+            <a:schemeClr val="lt1"/>
+          </a:fontRef>
+        </p:style>
+        <p:txBody>
+          <a:bodyPr rtlCol="0" anchor="ctr"/>
+          <a:lstStyle>
+            <a:defPPr>
+              <a:defRPr lang="nl-NL"/>
+            </a:defPPr>
+            <a:lvl1pPr marL="0" algn="l" defTabSz="914400" rtl="0" eaLnBrk="1" latinLnBrk="0" hangingPunct="1">
+              <a:defRPr sz="1800" kern="1200">
+                <a:solidFill>
+                  <a:schemeClr val="lt1"/>
+                </a:solidFill>
+                <a:latin typeface="+mn-lt"/>
+                <a:ea typeface="+mn-ea"/>
+                <a:cs typeface="+mn-cs"/>
+              </a:defRPr>
+            </a:lvl1pPr>
+            <a:lvl2pPr marL="457200" algn="l" defTabSz="914400" rtl="0" eaLnBrk="1" latinLnBrk="0" hangingPunct="1">
+              <a:defRPr sz="1800" kern="1200">
+                <a:solidFill>
+                  <a:schemeClr val="lt1"/>
+                </a:solidFill>
+                <a:latin typeface="+mn-lt"/>
+                <a:ea typeface="+mn-ea"/>
+                <a:cs typeface="+mn-cs"/>
+              </a:defRPr>
+            </a:lvl2pPr>
+            <a:lvl3pPr marL="914400" algn="l" defTabSz="914400" rtl="0" eaLnBrk="1" latinLnBrk="0" hangingPunct="1">
+              <a:defRPr sz="1800" kern="1200">
+                <a:solidFill>
+                  <a:schemeClr val="lt1"/>
+                </a:solidFill>
+                <a:latin typeface="+mn-lt"/>
+                <a:ea typeface="+mn-ea"/>
+                <a:cs typeface="+mn-cs"/>
+              </a:defRPr>
+            </a:lvl3pPr>
+            <a:lvl4pPr marL="1371600" algn="l" defTabSz="914400" rtl="0" eaLnBrk="1" latinLnBrk="0" hangingPunct="1">
+              <a:defRPr sz="1800" kern="1200">
+                <a:solidFill>
+                  <a:schemeClr val="lt1"/>
+                </a:solidFill>
+                <a:latin typeface="+mn-lt"/>
+                <a:ea typeface="+mn-ea"/>
+                <a:cs typeface="+mn-cs"/>
+              </a:defRPr>
+            </a:lvl4pPr>
+            <a:lvl5pPr marL="1828800" algn="l" defTabSz="914400" rtl="0" eaLnBrk="1" latinLnBrk="0" hangingPunct="1">
+              <a:defRPr sz="1800" kern="1200">
+                <a:solidFill>
+                  <a:schemeClr val="lt1"/>
+                </a:solidFill>
+                <a:latin typeface="+mn-lt"/>
+                <a:ea typeface="+mn-ea"/>
+                <a:cs typeface="+mn-cs"/>
+              </a:defRPr>
+            </a:lvl5pPr>
+            <a:lvl6pPr marL="2286000" algn="l" defTabSz="914400" rtl="0" eaLnBrk="1" latinLnBrk="0" hangingPunct="1">
+              <a:defRPr sz="1800" kern="1200">
+                <a:solidFill>
+                  <a:schemeClr val="lt1"/>
+                </a:solidFill>
+                <a:latin typeface="+mn-lt"/>
+                <a:ea typeface="+mn-ea"/>
+                <a:cs typeface="+mn-cs"/>
+              </a:defRPr>
+            </a:lvl6pPr>
+            <a:lvl7pPr marL="2743200" algn="l" defTabSz="914400" rtl="0" eaLnBrk="1" latinLnBrk="0" hangingPunct="1">
+              <a:defRPr sz="1800" kern="1200">
+                <a:solidFill>
+                  <a:schemeClr val="lt1"/>
+                </a:solidFill>
+                <a:latin typeface="+mn-lt"/>
+                <a:ea typeface="+mn-ea"/>
+                <a:cs typeface="+mn-cs"/>
+              </a:defRPr>
+            </a:lvl7pPr>
+            <a:lvl8pPr marL="3200400" algn="l" defTabSz="914400" rtl="0" eaLnBrk="1" latinLnBrk="0" hangingPunct="1">
+              <a:defRPr sz="1800" kern="1200">
+                <a:solidFill>
+                  <a:schemeClr val="lt1"/>
+                </a:solidFill>
+                <a:latin typeface="+mn-lt"/>
+                <a:ea typeface="+mn-ea"/>
+                <a:cs typeface="+mn-cs"/>
+              </a:defRPr>
+            </a:lvl8pPr>
+            <a:lvl9pPr marL="3657600" algn="l" defTabSz="914400" rtl="0" eaLnBrk="1" latinLnBrk="0" hangingPunct="1">
+              <a:defRPr sz="1800" kern="1200">
+                <a:solidFill>
+                  <a:schemeClr val="lt1"/>
+                </a:solidFill>
+                <a:latin typeface="+mn-lt"/>
+                <a:ea typeface="+mn-ea"/>
+                <a:cs typeface="+mn-cs"/>
+              </a:defRPr>
+            </a:lvl9pPr>
+          </a:lstStyle>
+          <a:p>
+            <a:pPr algn="ctr"/>
+            <a:r>
+              <a:rPr lang="nl-NL" dirty="0"/>
+              <a:t>Database C</a:t>
+            </a:r>
+          </a:p>
+        </p:txBody>
+      </p:sp>
+      <p:sp>
+        <p:nvSpPr>
+          <p:cNvPr id="11" name="Stroomdiagram: Magnetische schijf 11">
+            <a:extLst>
+              <a:ext uri="{FF2B5EF4-FFF2-40B4-BE49-F238E27FC236}">
+                <a16:creationId xmlns:a16="http://schemas.microsoft.com/office/drawing/2014/main" id="{D0E0756D-8B94-4017-A7BE-17C7BE8733A2}"/>
+              </a:ext>
+            </a:extLst>
+          </p:cNvPr>
+          <p:cNvSpPr/>
+          <p:nvPr/>
+        </p:nvSpPr>
+        <p:spPr>
+          <a:xfrm>
+            <a:off x="1898602" y="2450922"/>
+            <a:ext cx="985108" cy="428376"/>
+          </a:xfrm>
+          <a:prstGeom prst="flowChartMagneticDisk">
+            <a:avLst/>
+          </a:prstGeom>
+          <a:solidFill>
+            <a:srgbClr val="BFD8EF"/>
+          </a:solidFill>
+        </p:spPr>
+        <p:style>
+          <a:lnRef idx="2">
+            <a:schemeClr val="accent1">
+              <a:shade val="50000"/>
+            </a:schemeClr>
+          </a:lnRef>
+          <a:fillRef idx="1">
+            <a:schemeClr val="accent1"/>
+          </a:fillRef>
+          <a:effectRef idx="0">
+            <a:schemeClr val="accent1"/>
+          </a:effectRef>
+          <a:fontRef idx="minor">
+            <a:schemeClr val="lt1"/>
+          </a:fontRef>
+        </p:style>
+        <p:txBody>
+          <a:bodyPr rtlCol="0" anchor="ctr"/>
+          <a:lstStyle>
+            <a:defPPr>
+              <a:defRPr lang="nl-NL"/>
+            </a:defPPr>
+            <a:lvl1pPr marL="0" algn="l" defTabSz="914400" rtl="0" eaLnBrk="1" latinLnBrk="0" hangingPunct="1">
+              <a:defRPr sz="1800" kern="1200">
+                <a:solidFill>
+                  <a:schemeClr val="lt1"/>
+                </a:solidFill>
+                <a:latin typeface="+mn-lt"/>
+                <a:ea typeface="+mn-ea"/>
+                <a:cs typeface="+mn-cs"/>
+              </a:defRPr>
+            </a:lvl1pPr>
+            <a:lvl2pPr marL="457200" algn="l" defTabSz="914400" rtl="0" eaLnBrk="1" latinLnBrk="0" hangingPunct="1">
+              <a:defRPr sz="1800" kern="1200">
+                <a:solidFill>
+                  <a:schemeClr val="lt1"/>
+                </a:solidFill>
+                <a:latin typeface="+mn-lt"/>
+                <a:ea typeface="+mn-ea"/>
+                <a:cs typeface="+mn-cs"/>
+              </a:defRPr>
+            </a:lvl2pPr>
+            <a:lvl3pPr marL="914400" algn="l" defTabSz="914400" rtl="0" eaLnBrk="1" latinLnBrk="0" hangingPunct="1">
+              <a:defRPr sz="1800" kern="1200">
+                <a:solidFill>
+                  <a:schemeClr val="lt1"/>
+                </a:solidFill>
+                <a:latin typeface="+mn-lt"/>
+                <a:ea typeface="+mn-ea"/>
+                <a:cs typeface="+mn-cs"/>
+              </a:defRPr>
+            </a:lvl3pPr>
+            <a:lvl4pPr marL="1371600" algn="l" defTabSz="914400" rtl="0" eaLnBrk="1" latinLnBrk="0" hangingPunct="1">
+              <a:defRPr sz="1800" kern="1200">
+                <a:solidFill>
+                  <a:schemeClr val="lt1"/>
+                </a:solidFill>
+                <a:latin typeface="+mn-lt"/>
+                <a:ea typeface="+mn-ea"/>
+                <a:cs typeface="+mn-cs"/>
+              </a:defRPr>
+            </a:lvl4pPr>
+            <a:lvl5pPr marL="1828800" algn="l" defTabSz="914400" rtl="0" eaLnBrk="1" latinLnBrk="0" hangingPunct="1">
+              <a:defRPr sz="1800" kern="1200">
+                <a:solidFill>
+                  <a:schemeClr val="lt1"/>
+                </a:solidFill>
+                <a:latin typeface="+mn-lt"/>
+                <a:ea typeface="+mn-ea"/>
+                <a:cs typeface="+mn-cs"/>
+              </a:defRPr>
+            </a:lvl5pPr>
+            <a:lvl6pPr marL="2286000" algn="l" defTabSz="914400" rtl="0" eaLnBrk="1" latinLnBrk="0" hangingPunct="1">
+              <a:defRPr sz="1800" kern="1200">
+                <a:solidFill>
+                  <a:schemeClr val="lt1"/>
+                </a:solidFill>
+                <a:latin typeface="+mn-lt"/>
+                <a:ea typeface="+mn-ea"/>
+                <a:cs typeface="+mn-cs"/>
+              </a:defRPr>
+            </a:lvl6pPr>
+            <a:lvl7pPr marL="2743200" algn="l" defTabSz="914400" rtl="0" eaLnBrk="1" latinLnBrk="0" hangingPunct="1">
+              <a:defRPr sz="1800" kern="1200">
+                <a:solidFill>
+                  <a:schemeClr val="lt1"/>
+                </a:solidFill>
+                <a:latin typeface="+mn-lt"/>
+                <a:ea typeface="+mn-ea"/>
+                <a:cs typeface="+mn-cs"/>
+              </a:defRPr>
+            </a:lvl7pPr>
+            <a:lvl8pPr marL="3200400" algn="l" defTabSz="914400" rtl="0" eaLnBrk="1" latinLnBrk="0" hangingPunct="1">
+              <a:defRPr sz="1800" kern="1200">
+                <a:solidFill>
+                  <a:schemeClr val="lt1"/>
+                </a:solidFill>
+                <a:latin typeface="+mn-lt"/>
+                <a:ea typeface="+mn-ea"/>
+                <a:cs typeface="+mn-cs"/>
+              </a:defRPr>
+            </a:lvl8pPr>
+            <a:lvl9pPr marL="3657600" algn="l" defTabSz="914400" rtl="0" eaLnBrk="1" latinLnBrk="0" hangingPunct="1">
+              <a:defRPr sz="1800" kern="1200">
+                <a:solidFill>
+                  <a:schemeClr val="lt1"/>
+                </a:solidFill>
+                <a:latin typeface="+mn-lt"/>
+                <a:ea typeface="+mn-ea"/>
+                <a:cs typeface="+mn-cs"/>
+              </a:defRPr>
+            </a:lvl9pPr>
+          </a:lstStyle>
+          <a:p>
+            <a:pPr algn="ctr"/>
+            <a:r>
+              <a:rPr lang="nl-NL" dirty="0"/>
+              <a:t>schema</a:t>
+            </a:r>
+          </a:p>
+        </p:txBody>
+      </p:sp>
+      <p:cxnSp>
+        <p:nvCxnSpPr>
+          <p:cNvPr id="12" name="Rechte verbindingslijn met pijl 13">
+            <a:extLst>
+              <a:ext uri="{FF2B5EF4-FFF2-40B4-BE49-F238E27FC236}">
+                <a16:creationId xmlns:a16="http://schemas.microsoft.com/office/drawing/2014/main" id="{B9AACF5A-5D8C-4863-9F0D-FE27A2D8F510}"/>
+              </a:ext>
+            </a:extLst>
+          </p:cNvPr>
+          <p:cNvCxnSpPr>
+            <a:stCxn id="8" idx="3"/>
+            <a:endCxn id="9" idx="1"/>
+          </p:cNvCxnSpPr>
+          <p:nvPr/>
+        </p:nvCxnSpPr>
+        <p:spPr>
+          <a:xfrm flipH="1">
+            <a:off x="1062509" y="1343652"/>
+            <a:ext cx="1349869" cy="249541"/>
+          </a:xfrm>
+          <a:prstGeom prst="straightConnector1">
+            <a:avLst/>
+          </a:prstGeom>
+          <a:ln>
+            <a:tailEnd type="arrow"/>
+          </a:ln>
+        </p:spPr>
+        <p:style>
+          <a:lnRef idx="1">
+            <a:schemeClr val="accent1"/>
+          </a:lnRef>
+          <a:fillRef idx="0">
+            <a:schemeClr val="accent1"/>
+          </a:fillRef>
+          <a:effectRef idx="0">
+            <a:schemeClr val="accent1"/>
+          </a:effectRef>
+          <a:fontRef idx="minor">
+            <a:schemeClr val="tx1"/>
+          </a:fontRef>
+        </p:style>
+      </p:cxnSp>
+      <p:cxnSp>
+        <p:nvCxnSpPr>
+          <p:cNvPr id="13" name="Rechte verbindingslijn met pijl 14">
+            <a:extLst>
+              <a:ext uri="{FF2B5EF4-FFF2-40B4-BE49-F238E27FC236}">
+                <a16:creationId xmlns:a16="http://schemas.microsoft.com/office/drawing/2014/main" id="{8122BBFF-EB4D-47BF-BE58-D29FF54CB606}"/>
+              </a:ext>
+            </a:extLst>
+          </p:cNvPr>
+          <p:cNvCxnSpPr>
+            <a:stCxn id="8" idx="3"/>
+            <a:endCxn id="7" idx="1"/>
+          </p:cNvCxnSpPr>
+          <p:nvPr/>
+        </p:nvCxnSpPr>
+        <p:spPr>
+          <a:xfrm>
+            <a:off x="2412378" y="1343652"/>
+            <a:ext cx="55890" cy="254797"/>
+          </a:xfrm>
+          <a:prstGeom prst="straightConnector1">
+            <a:avLst/>
+          </a:prstGeom>
+          <a:ln>
+            <a:tailEnd type="arrow"/>
+          </a:ln>
+        </p:spPr>
+        <p:style>
+          <a:lnRef idx="1">
+            <a:schemeClr val="accent1"/>
+          </a:lnRef>
+          <a:fillRef idx="0">
+            <a:schemeClr val="accent1"/>
+          </a:fillRef>
+          <a:effectRef idx="0">
+            <a:schemeClr val="accent1"/>
+          </a:effectRef>
+          <a:fontRef idx="minor">
+            <a:schemeClr val="tx1"/>
+          </a:fontRef>
+        </p:style>
+      </p:cxnSp>
+      <p:cxnSp>
+        <p:nvCxnSpPr>
+          <p:cNvPr id="14" name="Rechte verbindingslijn met pijl 17">
+            <a:extLst>
+              <a:ext uri="{FF2B5EF4-FFF2-40B4-BE49-F238E27FC236}">
+                <a16:creationId xmlns:a16="http://schemas.microsoft.com/office/drawing/2014/main" id="{9038EA92-F6E5-47F5-BDDD-C583A3E5DEFF}"/>
+              </a:ext>
+            </a:extLst>
+          </p:cNvPr>
+          <p:cNvCxnSpPr>
+            <a:stCxn id="8" idx="3"/>
+          </p:cNvCxnSpPr>
+          <p:nvPr/>
+        </p:nvCxnSpPr>
+        <p:spPr>
+          <a:xfrm>
+            <a:off x="2412378" y="1343652"/>
+            <a:ext cx="1595463" cy="246314"/>
+          </a:xfrm>
+          <a:prstGeom prst="straightConnector1">
+            <a:avLst/>
+          </a:prstGeom>
+          <a:ln>
+            <a:tailEnd type="arrow"/>
+          </a:ln>
+        </p:spPr>
+        <p:style>
+          <a:lnRef idx="1">
+            <a:schemeClr val="accent1"/>
+          </a:lnRef>
+          <a:fillRef idx="0">
+            <a:schemeClr val="accent1"/>
+          </a:fillRef>
+          <a:effectRef idx="0">
+            <a:schemeClr val="accent1"/>
+          </a:effectRef>
+          <a:fontRef idx="minor">
+            <a:schemeClr val="tx1"/>
+          </a:fontRef>
+        </p:style>
+      </p:cxnSp>
+      <p:cxnSp>
+        <p:nvCxnSpPr>
+          <p:cNvPr id="15" name="Rechte verbindingslijn met pijl 20">
+            <a:extLst>
+              <a:ext uri="{FF2B5EF4-FFF2-40B4-BE49-F238E27FC236}">
+                <a16:creationId xmlns:a16="http://schemas.microsoft.com/office/drawing/2014/main" id="{65AA8613-408E-4001-9023-85EE1F20C6AA}"/>
+              </a:ext>
+            </a:extLst>
+          </p:cNvPr>
+          <p:cNvCxnSpPr>
+            <a:stCxn id="7" idx="3"/>
+          </p:cNvCxnSpPr>
+          <p:nvPr/>
+        </p:nvCxnSpPr>
+        <p:spPr>
+          <a:xfrm flipH="1">
+            <a:off x="1242869" y="2026825"/>
+            <a:ext cx="1225399" cy="433998"/>
+          </a:xfrm>
+          <a:prstGeom prst="straightConnector1">
+            <a:avLst/>
+          </a:prstGeom>
+          <a:ln>
+            <a:tailEnd type="arrow"/>
+          </a:ln>
+        </p:spPr>
+        <p:style>
+          <a:lnRef idx="1">
+            <a:schemeClr val="accent1"/>
+          </a:lnRef>
+          <a:fillRef idx="0">
+            <a:schemeClr val="accent1"/>
+          </a:fillRef>
+          <a:effectRef idx="0">
+            <a:schemeClr val="accent1"/>
+          </a:effectRef>
+          <a:fontRef idx="minor">
+            <a:schemeClr val="tx1"/>
+          </a:fontRef>
+        </p:style>
+      </p:cxnSp>
+      <p:cxnSp>
+        <p:nvCxnSpPr>
+          <p:cNvPr id="16" name="Rechte verbindingslijn met pijl 23">
+            <a:extLst>
+              <a:ext uri="{FF2B5EF4-FFF2-40B4-BE49-F238E27FC236}">
+                <a16:creationId xmlns:a16="http://schemas.microsoft.com/office/drawing/2014/main" id="{D112F980-1133-413B-93FC-8A59D70BED5B}"/>
+              </a:ext>
+            </a:extLst>
+          </p:cNvPr>
+          <p:cNvCxnSpPr>
+            <a:stCxn id="7" idx="3"/>
+          </p:cNvCxnSpPr>
+          <p:nvPr/>
+        </p:nvCxnSpPr>
+        <p:spPr>
+          <a:xfrm flipH="1">
+            <a:off x="2407641" y="2026825"/>
+            <a:ext cx="60627" cy="401341"/>
+          </a:xfrm>
+          <a:prstGeom prst="straightConnector1">
+            <a:avLst/>
+          </a:prstGeom>
+          <a:ln>
+            <a:tailEnd type="arrow"/>
+          </a:ln>
+        </p:spPr>
+        <p:style>
+          <a:lnRef idx="1">
+            <a:schemeClr val="accent1"/>
+          </a:lnRef>
+          <a:fillRef idx="0">
+            <a:schemeClr val="accent1"/>
+          </a:fillRef>
+          <a:effectRef idx="0">
+            <a:schemeClr val="accent1"/>
+          </a:effectRef>
+          <a:fontRef idx="minor">
+            <a:schemeClr val="tx1"/>
+          </a:fontRef>
+        </p:style>
+      </p:cxnSp>
+      <p:sp>
+        <p:nvSpPr>
+          <p:cNvPr id="17" name="Stroomdiagram: Meerdere documenten 26">
+            <a:extLst>
+              <a:ext uri="{FF2B5EF4-FFF2-40B4-BE49-F238E27FC236}">
+                <a16:creationId xmlns:a16="http://schemas.microsoft.com/office/drawing/2014/main" id="{DD48EF77-9AB7-47D7-95A8-3C23EC66D9B8}"/>
+              </a:ext>
+            </a:extLst>
+          </p:cNvPr>
+          <p:cNvSpPr/>
+          <p:nvPr/>
+        </p:nvSpPr>
+        <p:spPr>
+          <a:xfrm>
+            <a:off x="1655197" y="3410843"/>
+            <a:ext cx="883071" cy="708454"/>
+          </a:xfrm>
+          <a:prstGeom prst="flowChartMultidocument">
+            <a:avLst/>
+          </a:prstGeom>
+        </p:spPr>
+        <p:style>
+          <a:lnRef idx="2">
+            <a:schemeClr val="accent3"/>
+          </a:lnRef>
+          <a:fillRef idx="1">
+            <a:schemeClr val="lt1"/>
+          </a:fillRef>
+          <a:effectRef idx="0">
+            <a:schemeClr val="accent3"/>
+          </a:effectRef>
+          <a:fontRef idx="minor">
+            <a:schemeClr val="dk1"/>
+          </a:fontRef>
+        </p:style>
+        <p:txBody>
+          <a:bodyPr rtlCol="0" anchor="ctr"/>
+          <a:lstStyle>
+            <a:defPPr>
+              <a:defRPr lang="nl-NL"/>
+            </a:defPPr>
+            <a:lvl1pPr marL="0" algn="l" defTabSz="914400" rtl="0" eaLnBrk="1" latinLnBrk="0" hangingPunct="1">
+              <a:defRPr sz="1800" kern="1200">
+                <a:solidFill>
+                  <a:schemeClr val="dk1"/>
+                </a:solidFill>
+                <a:latin typeface="+mn-lt"/>
+                <a:ea typeface="+mn-ea"/>
+                <a:cs typeface="+mn-cs"/>
+              </a:defRPr>
+            </a:lvl1pPr>
+            <a:lvl2pPr marL="457200" algn="l" defTabSz="914400" rtl="0" eaLnBrk="1" latinLnBrk="0" hangingPunct="1">
+              <a:defRPr sz="1800" kern="1200">
+                <a:solidFill>
+                  <a:schemeClr val="dk1"/>
+                </a:solidFill>
+                <a:latin typeface="+mn-lt"/>
+                <a:ea typeface="+mn-ea"/>
+                <a:cs typeface="+mn-cs"/>
+              </a:defRPr>
+            </a:lvl2pPr>
+            <a:lvl3pPr marL="914400" algn="l" defTabSz="914400" rtl="0" eaLnBrk="1" latinLnBrk="0" hangingPunct="1">
+              <a:defRPr sz="1800" kern="1200">
+                <a:solidFill>
+                  <a:schemeClr val="dk1"/>
+                </a:solidFill>
+                <a:latin typeface="+mn-lt"/>
+                <a:ea typeface="+mn-ea"/>
+                <a:cs typeface="+mn-cs"/>
+              </a:defRPr>
+            </a:lvl3pPr>
+            <a:lvl4pPr marL="1371600" algn="l" defTabSz="914400" rtl="0" eaLnBrk="1" latinLnBrk="0" hangingPunct="1">
+              <a:defRPr sz="1800" kern="1200">
+                <a:solidFill>
+                  <a:schemeClr val="dk1"/>
+                </a:solidFill>
+                <a:latin typeface="+mn-lt"/>
+                <a:ea typeface="+mn-ea"/>
+                <a:cs typeface="+mn-cs"/>
+              </a:defRPr>
+            </a:lvl4pPr>
+            <a:lvl5pPr marL="1828800" algn="l" defTabSz="914400" rtl="0" eaLnBrk="1" latinLnBrk="0" hangingPunct="1">
+              <a:defRPr sz="1800" kern="1200">
+                <a:solidFill>
+                  <a:schemeClr val="dk1"/>
+                </a:solidFill>
+                <a:latin typeface="+mn-lt"/>
+                <a:ea typeface="+mn-ea"/>
+                <a:cs typeface="+mn-cs"/>
+              </a:defRPr>
+            </a:lvl5pPr>
+            <a:lvl6pPr marL="2286000" algn="l" defTabSz="914400" rtl="0" eaLnBrk="1" latinLnBrk="0" hangingPunct="1">
+              <a:defRPr sz="1800" kern="1200">
+                <a:solidFill>
+                  <a:schemeClr val="dk1"/>
+                </a:solidFill>
+                <a:latin typeface="+mn-lt"/>
+                <a:ea typeface="+mn-ea"/>
+                <a:cs typeface="+mn-cs"/>
+              </a:defRPr>
+            </a:lvl6pPr>
+            <a:lvl7pPr marL="2743200" algn="l" defTabSz="914400" rtl="0" eaLnBrk="1" latinLnBrk="0" hangingPunct="1">
+              <a:defRPr sz="1800" kern="1200">
+                <a:solidFill>
+                  <a:schemeClr val="dk1"/>
+                </a:solidFill>
+                <a:latin typeface="+mn-lt"/>
+                <a:ea typeface="+mn-ea"/>
+                <a:cs typeface="+mn-cs"/>
+              </a:defRPr>
+            </a:lvl7pPr>
+            <a:lvl8pPr marL="3200400" algn="l" defTabSz="914400" rtl="0" eaLnBrk="1" latinLnBrk="0" hangingPunct="1">
+              <a:defRPr sz="1800" kern="1200">
+                <a:solidFill>
+                  <a:schemeClr val="dk1"/>
+                </a:solidFill>
+                <a:latin typeface="+mn-lt"/>
+                <a:ea typeface="+mn-ea"/>
+                <a:cs typeface="+mn-cs"/>
+              </a:defRPr>
+            </a:lvl8pPr>
+            <a:lvl9pPr marL="3657600" algn="l" defTabSz="914400" rtl="0" eaLnBrk="1" latinLnBrk="0" hangingPunct="1">
+              <a:defRPr sz="1800" kern="1200">
+                <a:solidFill>
+                  <a:schemeClr val="dk1"/>
+                </a:solidFill>
+                <a:latin typeface="+mn-lt"/>
+                <a:ea typeface="+mn-ea"/>
+                <a:cs typeface="+mn-cs"/>
+              </a:defRPr>
+            </a:lvl9pPr>
+          </a:lstStyle>
+          <a:p>
+            <a:pPr algn="ctr"/>
+            <a:r>
+              <a:rPr lang="nl-NL" dirty="0" err="1"/>
+              <a:t>Table</a:t>
+            </a:r>
+            <a:r>
+              <a:rPr lang="nl-NL" dirty="0"/>
+              <a:t> B</a:t>
+            </a:r>
+          </a:p>
+        </p:txBody>
+      </p:sp>
+      <p:sp>
+        <p:nvSpPr>
+          <p:cNvPr id="18" name="Stroomdiagram: Meerdere documenten 27">
+            <a:extLst>
+              <a:ext uri="{FF2B5EF4-FFF2-40B4-BE49-F238E27FC236}">
+                <a16:creationId xmlns:a16="http://schemas.microsoft.com/office/drawing/2014/main" id="{186701BE-CF64-4948-85D7-D0F3268C4088}"/>
+              </a:ext>
+            </a:extLst>
+          </p:cNvPr>
+          <p:cNvSpPr/>
+          <p:nvPr/>
+        </p:nvSpPr>
+        <p:spPr>
+          <a:xfrm>
+            <a:off x="2645799" y="3378186"/>
+            <a:ext cx="937498" cy="708454"/>
+          </a:xfrm>
+          <a:prstGeom prst="flowChartMultidocument">
+            <a:avLst/>
+          </a:prstGeom>
+        </p:spPr>
+        <p:style>
+          <a:lnRef idx="2">
+            <a:schemeClr val="accent3"/>
+          </a:lnRef>
+          <a:fillRef idx="1">
+            <a:schemeClr val="lt1"/>
+          </a:fillRef>
+          <a:effectRef idx="0">
+            <a:schemeClr val="accent3"/>
+          </a:effectRef>
+          <a:fontRef idx="minor">
+            <a:schemeClr val="dk1"/>
+          </a:fontRef>
+        </p:style>
+        <p:txBody>
+          <a:bodyPr rtlCol="0" anchor="ctr"/>
+          <a:lstStyle>
+            <a:defPPr>
+              <a:defRPr lang="nl-NL"/>
+            </a:defPPr>
+            <a:lvl1pPr marL="0" algn="l" defTabSz="914400" rtl="0" eaLnBrk="1" latinLnBrk="0" hangingPunct="1">
+              <a:defRPr sz="1800" kern="1200">
+                <a:solidFill>
+                  <a:schemeClr val="dk1"/>
+                </a:solidFill>
+                <a:latin typeface="+mn-lt"/>
+                <a:ea typeface="+mn-ea"/>
+                <a:cs typeface="+mn-cs"/>
+              </a:defRPr>
+            </a:lvl1pPr>
+            <a:lvl2pPr marL="457200" algn="l" defTabSz="914400" rtl="0" eaLnBrk="1" latinLnBrk="0" hangingPunct="1">
+              <a:defRPr sz="1800" kern="1200">
+                <a:solidFill>
+                  <a:schemeClr val="dk1"/>
+                </a:solidFill>
+                <a:latin typeface="+mn-lt"/>
+                <a:ea typeface="+mn-ea"/>
+                <a:cs typeface="+mn-cs"/>
+              </a:defRPr>
+            </a:lvl2pPr>
+            <a:lvl3pPr marL="914400" algn="l" defTabSz="914400" rtl="0" eaLnBrk="1" latinLnBrk="0" hangingPunct="1">
+              <a:defRPr sz="1800" kern="1200">
+                <a:solidFill>
+                  <a:schemeClr val="dk1"/>
+                </a:solidFill>
+                <a:latin typeface="+mn-lt"/>
+                <a:ea typeface="+mn-ea"/>
+                <a:cs typeface="+mn-cs"/>
+              </a:defRPr>
+            </a:lvl3pPr>
+            <a:lvl4pPr marL="1371600" algn="l" defTabSz="914400" rtl="0" eaLnBrk="1" latinLnBrk="0" hangingPunct="1">
+              <a:defRPr sz="1800" kern="1200">
+                <a:solidFill>
+                  <a:schemeClr val="dk1"/>
+                </a:solidFill>
+                <a:latin typeface="+mn-lt"/>
+                <a:ea typeface="+mn-ea"/>
+                <a:cs typeface="+mn-cs"/>
+              </a:defRPr>
+            </a:lvl4pPr>
+            <a:lvl5pPr marL="1828800" algn="l" defTabSz="914400" rtl="0" eaLnBrk="1" latinLnBrk="0" hangingPunct="1">
+              <a:defRPr sz="1800" kern="1200">
+                <a:solidFill>
+                  <a:schemeClr val="dk1"/>
+                </a:solidFill>
+                <a:latin typeface="+mn-lt"/>
+                <a:ea typeface="+mn-ea"/>
+                <a:cs typeface="+mn-cs"/>
+              </a:defRPr>
+            </a:lvl5pPr>
+            <a:lvl6pPr marL="2286000" algn="l" defTabSz="914400" rtl="0" eaLnBrk="1" latinLnBrk="0" hangingPunct="1">
+              <a:defRPr sz="1800" kern="1200">
+                <a:solidFill>
+                  <a:schemeClr val="dk1"/>
+                </a:solidFill>
+                <a:latin typeface="+mn-lt"/>
+                <a:ea typeface="+mn-ea"/>
+                <a:cs typeface="+mn-cs"/>
+              </a:defRPr>
+            </a:lvl6pPr>
+            <a:lvl7pPr marL="2743200" algn="l" defTabSz="914400" rtl="0" eaLnBrk="1" latinLnBrk="0" hangingPunct="1">
+              <a:defRPr sz="1800" kern="1200">
+                <a:solidFill>
+                  <a:schemeClr val="dk1"/>
+                </a:solidFill>
+                <a:latin typeface="+mn-lt"/>
+                <a:ea typeface="+mn-ea"/>
+                <a:cs typeface="+mn-cs"/>
+              </a:defRPr>
+            </a:lvl7pPr>
+            <a:lvl8pPr marL="3200400" algn="l" defTabSz="914400" rtl="0" eaLnBrk="1" latinLnBrk="0" hangingPunct="1">
+              <a:defRPr sz="1800" kern="1200">
+                <a:solidFill>
+                  <a:schemeClr val="dk1"/>
+                </a:solidFill>
+                <a:latin typeface="+mn-lt"/>
+                <a:ea typeface="+mn-ea"/>
+                <a:cs typeface="+mn-cs"/>
+              </a:defRPr>
+            </a:lvl8pPr>
+            <a:lvl9pPr marL="3657600" algn="l" defTabSz="914400" rtl="0" eaLnBrk="1" latinLnBrk="0" hangingPunct="1">
+              <a:defRPr sz="1800" kern="1200">
+                <a:solidFill>
+                  <a:schemeClr val="dk1"/>
+                </a:solidFill>
+                <a:latin typeface="+mn-lt"/>
+                <a:ea typeface="+mn-ea"/>
+                <a:cs typeface="+mn-cs"/>
+              </a:defRPr>
+            </a:lvl9pPr>
+          </a:lstStyle>
+          <a:p>
+            <a:pPr algn="ctr"/>
+            <a:r>
+              <a:rPr lang="nl-NL" dirty="0"/>
+              <a:t>View C</a:t>
+            </a:r>
+          </a:p>
+        </p:txBody>
+      </p:sp>
+      <p:cxnSp>
+        <p:nvCxnSpPr>
+          <p:cNvPr id="19" name="Rechte verbindingslijn met pijl 28">
+            <a:extLst>
+              <a:ext uri="{FF2B5EF4-FFF2-40B4-BE49-F238E27FC236}">
+                <a16:creationId xmlns:a16="http://schemas.microsoft.com/office/drawing/2014/main" id="{26265DE0-D4B5-485C-9D90-B2CABCA9FDE7}"/>
+              </a:ext>
+            </a:extLst>
+          </p:cNvPr>
+          <p:cNvCxnSpPr>
+            <a:endCxn id="6" idx="0"/>
+          </p:cNvCxnSpPr>
+          <p:nvPr/>
+        </p:nvCxnSpPr>
+        <p:spPr>
+          <a:xfrm flipH="1">
+            <a:off x="1114155" y="2886796"/>
+            <a:ext cx="1288800" cy="567590"/>
+          </a:xfrm>
+          <a:prstGeom prst="straightConnector1">
+            <a:avLst/>
+          </a:prstGeom>
+          <a:ln>
+            <a:tailEnd type="arrow"/>
+          </a:ln>
+        </p:spPr>
+        <p:style>
+          <a:lnRef idx="1">
+            <a:schemeClr val="accent1"/>
+          </a:lnRef>
+          <a:fillRef idx="0">
+            <a:schemeClr val="accent1"/>
+          </a:fillRef>
+          <a:effectRef idx="0">
+            <a:schemeClr val="accent1"/>
+          </a:effectRef>
+          <a:fontRef idx="minor">
+            <a:schemeClr val="tx1"/>
+          </a:fontRef>
+        </p:style>
+      </p:cxnSp>
+      <p:cxnSp>
+        <p:nvCxnSpPr>
+          <p:cNvPr id="20" name="Rechte verbindingslijn met pijl 30">
+            <a:extLst>
+              <a:ext uri="{FF2B5EF4-FFF2-40B4-BE49-F238E27FC236}">
+                <a16:creationId xmlns:a16="http://schemas.microsoft.com/office/drawing/2014/main" id="{FEC25648-D851-454D-B473-25964C572686}"/>
+              </a:ext>
+            </a:extLst>
+          </p:cNvPr>
+          <p:cNvCxnSpPr>
+            <a:stCxn id="11" idx="3"/>
+            <a:endCxn id="17" idx="0"/>
+          </p:cNvCxnSpPr>
+          <p:nvPr/>
+        </p:nvCxnSpPr>
+        <p:spPr>
+          <a:xfrm flipH="1">
+            <a:off x="2157484" y="2879298"/>
+            <a:ext cx="233672" cy="531545"/>
+          </a:xfrm>
+          <a:prstGeom prst="straightConnector1">
+            <a:avLst/>
+          </a:prstGeom>
+          <a:ln>
+            <a:tailEnd type="arrow"/>
+          </a:ln>
+        </p:spPr>
+        <p:style>
+          <a:lnRef idx="1">
+            <a:schemeClr val="accent1"/>
+          </a:lnRef>
+          <a:fillRef idx="0">
+            <a:schemeClr val="accent1"/>
+          </a:fillRef>
+          <a:effectRef idx="0">
+            <a:schemeClr val="accent1"/>
+          </a:effectRef>
+          <a:fontRef idx="minor">
+            <a:schemeClr val="tx1"/>
+          </a:fontRef>
+        </p:style>
+      </p:cxnSp>
+      <p:cxnSp>
+        <p:nvCxnSpPr>
+          <p:cNvPr id="21" name="Rechte verbindingslijn met pijl 32">
+            <a:extLst>
+              <a:ext uri="{FF2B5EF4-FFF2-40B4-BE49-F238E27FC236}">
+                <a16:creationId xmlns:a16="http://schemas.microsoft.com/office/drawing/2014/main" id="{D74CE721-E582-4EEA-982C-8472714297BD}"/>
+              </a:ext>
+            </a:extLst>
+          </p:cNvPr>
+          <p:cNvCxnSpPr>
+            <a:stCxn id="11" idx="3"/>
+            <a:endCxn id="18" idx="0"/>
+          </p:cNvCxnSpPr>
+          <p:nvPr/>
+        </p:nvCxnSpPr>
+        <p:spPr>
+          <a:xfrm>
+            <a:off x="2391156" y="2879298"/>
+            <a:ext cx="787888" cy="498888"/>
+          </a:xfrm>
+          <a:prstGeom prst="straightConnector1">
+            <a:avLst/>
+          </a:prstGeom>
+          <a:ln>
+            <a:tailEnd type="arrow"/>
+          </a:ln>
+        </p:spPr>
+        <p:style>
+          <a:lnRef idx="1">
+            <a:schemeClr val="accent1"/>
+          </a:lnRef>
+          <a:fillRef idx="0">
+            <a:schemeClr val="accent1"/>
+          </a:fillRef>
+          <a:effectRef idx="0">
+            <a:schemeClr val="accent1"/>
+          </a:effectRef>
+          <a:fontRef idx="minor">
+            <a:schemeClr val="tx1"/>
+          </a:fontRef>
+        </p:style>
+      </p:cxnSp>
+      <p:sp>
+        <p:nvSpPr>
+          <p:cNvPr id="22" name="Rechthoek 45">
+            <a:extLst>
+              <a:ext uri="{FF2B5EF4-FFF2-40B4-BE49-F238E27FC236}">
+                <a16:creationId xmlns:a16="http://schemas.microsoft.com/office/drawing/2014/main" id="{4D16C345-B0F9-43F9-A835-6290D994F902}"/>
+              </a:ext>
+            </a:extLst>
+          </p:cNvPr>
+          <p:cNvSpPr/>
+          <p:nvPr/>
+        </p:nvSpPr>
+        <p:spPr>
+          <a:xfrm>
+            <a:off x="354746" y="4347054"/>
+            <a:ext cx="4298731" cy="1390369"/>
+          </a:xfrm>
+          <a:prstGeom prst="rect">
+            <a:avLst/>
+          </a:prstGeom>
+          <a:solidFill>
+            <a:schemeClr val="accent1">
+              <a:lumMod val="20000"/>
+              <a:lumOff val="80000"/>
+            </a:schemeClr>
+          </a:solidFill>
+        </p:spPr>
+        <p:style>
+          <a:lnRef idx="2">
+            <a:schemeClr val="accent1">
+              <a:shade val="50000"/>
+            </a:schemeClr>
+          </a:lnRef>
+          <a:fillRef idx="1">
+            <a:schemeClr val="accent1"/>
+          </a:fillRef>
+          <a:effectRef idx="0">
+            <a:schemeClr val="accent1"/>
+          </a:effectRef>
+          <a:fontRef idx="minor">
+            <a:schemeClr val="lt1"/>
+          </a:fontRef>
+        </p:style>
+        <p:txBody>
+          <a:bodyPr rtlCol="0" anchor="t" anchorCtr="0"/>
+          <a:lstStyle>
+            <a:defPPr>
+              <a:defRPr lang="nl-NL"/>
+            </a:defPPr>
+            <a:lvl1pPr marL="0" algn="l" defTabSz="914400" rtl="0" eaLnBrk="1" latinLnBrk="0" hangingPunct="1">
+              <a:defRPr sz="1800" kern="1200">
+                <a:solidFill>
+                  <a:schemeClr val="lt1"/>
+                </a:solidFill>
+                <a:latin typeface="+mn-lt"/>
+                <a:ea typeface="+mn-ea"/>
+                <a:cs typeface="+mn-cs"/>
+              </a:defRPr>
+            </a:lvl1pPr>
+            <a:lvl2pPr marL="457200" algn="l" defTabSz="914400" rtl="0" eaLnBrk="1" latinLnBrk="0" hangingPunct="1">
+              <a:defRPr sz="1800" kern="1200">
+                <a:solidFill>
+                  <a:schemeClr val="lt1"/>
+                </a:solidFill>
+                <a:latin typeface="+mn-lt"/>
+                <a:ea typeface="+mn-ea"/>
+                <a:cs typeface="+mn-cs"/>
+              </a:defRPr>
+            </a:lvl2pPr>
+            <a:lvl3pPr marL="914400" algn="l" defTabSz="914400" rtl="0" eaLnBrk="1" latinLnBrk="0" hangingPunct="1">
+              <a:defRPr sz="1800" kern="1200">
+                <a:solidFill>
+                  <a:schemeClr val="lt1"/>
+                </a:solidFill>
+                <a:latin typeface="+mn-lt"/>
+                <a:ea typeface="+mn-ea"/>
+                <a:cs typeface="+mn-cs"/>
+              </a:defRPr>
+            </a:lvl3pPr>
+            <a:lvl4pPr marL="1371600" algn="l" defTabSz="914400" rtl="0" eaLnBrk="1" latinLnBrk="0" hangingPunct="1">
+              <a:defRPr sz="1800" kern="1200">
+                <a:solidFill>
+                  <a:schemeClr val="lt1"/>
+                </a:solidFill>
+                <a:latin typeface="+mn-lt"/>
+                <a:ea typeface="+mn-ea"/>
+                <a:cs typeface="+mn-cs"/>
+              </a:defRPr>
+            </a:lvl4pPr>
+            <a:lvl5pPr marL="1828800" algn="l" defTabSz="914400" rtl="0" eaLnBrk="1" latinLnBrk="0" hangingPunct="1">
+              <a:defRPr sz="1800" kern="1200">
+                <a:solidFill>
+                  <a:schemeClr val="lt1"/>
+                </a:solidFill>
+                <a:latin typeface="+mn-lt"/>
+                <a:ea typeface="+mn-ea"/>
+                <a:cs typeface="+mn-cs"/>
+              </a:defRPr>
+            </a:lvl5pPr>
+            <a:lvl6pPr marL="2286000" algn="l" defTabSz="914400" rtl="0" eaLnBrk="1" latinLnBrk="0" hangingPunct="1">
+              <a:defRPr sz="1800" kern="1200">
+                <a:solidFill>
+                  <a:schemeClr val="lt1"/>
+                </a:solidFill>
+                <a:latin typeface="+mn-lt"/>
+                <a:ea typeface="+mn-ea"/>
+                <a:cs typeface="+mn-cs"/>
+              </a:defRPr>
+            </a:lvl6pPr>
+            <a:lvl7pPr marL="2743200" algn="l" defTabSz="914400" rtl="0" eaLnBrk="1" latinLnBrk="0" hangingPunct="1">
+              <a:defRPr sz="1800" kern="1200">
+                <a:solidFill>
+                  <a:schemeClr val="lt1"/>
+                </a:solidFill>
+                <a:latin typeface="+mn-lt"/>
+                <a:ea typeface="+mn-ea"/>
+                <a:cs typeface="+mn-cs"/>
+              </a:defRPr>
+            </a:lvl7pPr>
+            <a:lvl8pPr marL="3200400" algn="l" defTabSz="914400" rtl="0" eaLnBrk="1" latinLnBrk="0" hangingPunct="1">
+              <a:defRPr sz="1800" kern="1200">
+                <a:solidFill>
+                  <a:schemeClr val="lt1"/>
+                </a:solidFill>
+                <a:latin typeface="+mn-lt"/>
+                <a:ea typeface="+mn-ea"/>
+                <a:cs typeface="+mn-cs"/>
+              </a:defRPr>
+            </a:lvl8pPr>
+            <a:lvl9pPr marL="3657600" algn="l" defTabSz="914400" rtl="0" eaLnBrk="1" latinLnBrk="0" hangingPunct="1">
+              <a:defRPr sz="1800" kern="1200">
+                <a:solidFill>
+                  <a:schemeClr val="lt1"/>
+                </a:solidFill>
+                <a:latin typeface="+mn-lt"/>
+                <a:ea typeface="+mn-ea"/>
+                <a:cs typeface="+mn-cs"/>
+              </a:defRPr>
+            </a:lvl9pPr>
+          </a:lstStyle>
+          <a:p>
+            <a:pPr algn="ctr"/>
+            <a:r>
+              <a:rPr lang="nl-NL" dirty="0">
+                <a:solidFill>
+                  <a:srgbClr val="FF0000"/>
+                </a:solidFill>
+              </a:rPr>
+              <a:t>Users (</a:t>
+            </a:r>
+            <a:r>
+              <a:rPr lang="nl-NL" dirty="0" err="1">
+                <a:solidFill>
+                  <a:srgbClr val="FF0000"/>
+                </a:solidFill>
+              </a:rPr>
+              <a:t>dbo.Obj_ext</a:t>
+            </a:r>
+            <a:r>
+              <a:rPr lang="nl-NL" dirty="0">
+                <a:solidFill>
+                  <a:srgbClr val="FF0000"/>
+                </a:solidFill>
+              </a:rPr>
+              <a:t>)</a:t>
+            </a:r>
+          </a:p>
+        </p:txBody>
+      </p:sp>
+      <p:sp>
+        <p:nvSpPr>
+          <p:cNvPr id="23" name="Lachebekje 49">
+            <a:extLst>
+              <a:ext uri="{FF2B5EF4-FFF2-40B4-BE49-F238E27FC236}">
+                <a16:creationId xmlns:a16="http://schemas.microsoft.com/office/drawing/2014/main" id="{4B88F918-5AE3-4110-A18F-148502FC37E7}"/>
+              </a:ext>
+            </a:extLst>
+          </p:cNvPr>
+          <p:cNvSpPr/>
+          <p:nvPr/>
+        </p:nvSpPr>
+        <p:spPr>
+          <a:xfrm>
+            <a:off x="2462070" y="4714166"/>
+            <a:ext cx="1012371" cy="685800"/>
+          </a:xfrm>
+          <a:prstGeom prst="smileyFace">
+            <a:avLst/>
+          </a:prstGeom>
+        </p:spPr>
+        <p:style>
+          <a:lnRef idx="2">
+            <a:schemeClr val="accent1">
+              <a:shade val="50000"/>
+            </a:schemeClr>
+          </a:lnRef>
+          <a:fillRef idx="1">
+            <a:schemeClr val="accent1"/>
+          </a:fillRef>
+          <a:effectRef idx="0">
+            <a:schemeClr val="accent1"/>
+          </a:effectRef>
+          <a:fontRef idx="minor">
+            <a:schemeClr val="lt1"/>
+          </a:fontRef>
+        </p:style>
+        <p:txBody>
+          <a:bodyPr rtlCol="0" anchor="ctr"/>
+          <a:lstStyle>
+            <a:defPPr>
+              <a:defRPr lang="nl-NL"/>
+            </a:defPPr>
+            <a:lvl1pPr marL="0" algn="l" defTabSz="914400" rtl="0" eaLnBrk="1" latinLnBrk="0" hangingPunct="1">
+              <a:defRPr sz="1800" kern="1200">
+                <a:solidFill>
+                  <a:schemeClr val="lt1"/>
+                </a:solidFill>
+                <a:latin typeface="+mn-lt"/>
+                <a:ea typeface="+mn-ea"/>
+                <a:cs typeface="+mn-cs"/>
+              </a:defRPr>
+            </a:lvl1pPr>
+            <a:lvl2pPr marL="457200" algn="l" defTabSz="914400" rtl="0" eaLnBrk="1" latinLnBrk="0" hangingPunct="1">
+              <a:defRPr sz="1800" kern="1200">
+                <a:solidFill>
+                  <a:schemeClr val="lt1"/>
+                </a:solidFill>
+                <a:latin typeface="+mn-lt"/>
+                <a:ea typeface="+mn-ea"/>
+                <a:cs typeface="+mn-cs"/>
+              </a:defRPr>
+            </a:lvl2pPr>
+            <a:lvl3pPr marL="914400" algn="l" defTabSz="914400" rtl="0" eaLnBrk="1" latinLnBrk="0" hangingPunct="1">
+              <a:defRPr sz="1800" kern="1200">
+                <a:solidFill>
+                  <a:schemeClr val="lt1"/>
+                </a:solidFill>
+                <a:latin typeface="+mn-lt"/>
+                <a:ea typeface="+mn-ea"/>
+                <a:cs typeface="+mn-cs"/>
+              </a:defRPr>
+            </a:lvl3pPr>
+            <a:lvl4pPr marL="1371600" algn="l" defTabSz="914400" rtl="0" eaLnBrk="1" latinLnBrk="0" hangingPunct="1">
+              <a:defRPr sz="1800" kern="1200">
+                <a:solidFill>
+                  <a:schemeClr val="lt1"/>
+                </a:solidFill>
+                <a:latin typeface="+mn-lt"/>
+                <a:ea typeface="+mn-ea"/>
+                <a:cs typeface="+mn-cs"/>
+              </a:defRPr>
+            </a:lvl4pPr>
+            <a:lvl5pPr marL="1828800" algn="l" defTabSz="914400" rtl="0" eaLnBrk="1" latinLnBrk="0" hangingPunct="1">
+              <a:defRPr sz="1800" kern="1200">
+                <a:solidFill>
+                  <a:schemeClr val="lt1"/>
+                </a:solidFill>
+                <a:latin typeface="+mn-lt"/>
+                <a:ea typeface="+mn-ea"/>
+                <a:cs typeface="+mn-cs"/>
+              </a:defRPr>
+            </a:lvl5pPr>
+            <a:lvl6pPr marL="2286000" algn="l" defTabSz="914400" rtl="0" eaLnBrk="1" latinLnBrk="0" hangingPunct="1">
+              <a:defRPr sz="1800" kern="1200">
+                <a:solidFill>
+                  <a:schemeClr val="lt1"/>
+                </a:solidFill>
+                <a:latin typeface="+mn-lt"/>
+                <a:ea typeface="+mn-ea"/>
+                <a:cs typeface="+mn-cs"/>
+              </a:defRPr>
+            </a:lvl6pPr>
+            <a:lvl7pPr marL="2743200" algn="l" defTabSz="914400" rtl="0" eaLnBrk="1" latinLnBrk="0" hangingPunct="1">
+              <a:defRPr sz="1800" kern="1200">
+                <a:solidFill>
+                  <a:schemeClr val="lt1"/>
+                </a:solidFill>
+                <a:latin typeface="+mn-lt"/>
+                <a:ea typeface="+mn-ea"/>
+                <a:cs typeface="+mn-cs"/>
+              </a:defRPr>
+            </a:lvl7pPr>
+            <a:lvl8pPr marL="3200400" algn="l" defTabSz="914400" rtl="0" eaLnBrk="1" latinLnBrk="0" hangingPunct="1">
+              <a:defRPr sz="1800" kern="1200">
+                <a:solidFill>
+                  <a:schemeClr val="lt1"/>
+                </a:solidFill>
+                <a:latin typeface="+mn-lt"/>
+                <a:ea typeface="+mn-ea"/>
+                <a:cs typeface="+mn-cs"/>
+              </a:defRPr>
+            </a:lvl8pPr>
+            <a:lvl9pPr marL="3657600" algn="l" defTabSz="914400" rtl="0" eaLnBrk="1" latinLnBrk="0" hangingPunct="1">
+              <a:defRPr sz="1800" kern="1200">
+                <a:solidFill>
+                  <a:schemeClr val="lt1"/>
+                </a:solidFill>
+                <a:latin typeface="+mn-lt"/>
+                <a:ea typeface="+mn-ea"/>
+                <a:cs typeface="+mn-cs"/>
+              </a:defRPr>
+            </a:lvl9pPr>
+          </a:lstStyle>
+          <a:p>
+            <a:pPr algn="ctr"/>
+            <a:r>
+              <a:rPr lang="nl-NL" sz="1400" dirty="0">
+                <a:solidFill>
+                  <a:schemeClr val="bg1"/>
+                </a:solidFill>
+              </a:rPr>
+              <a:t>User B</a:t>
+            </a:r>
+          </a:p>
+        </p:txBody>
+      </p:sp>
+      <p:sp>
+        <p:nvSpPr>
+          <p:cNvPr id="24" name="Lachebekje 50">
+            <a:extLst>
+              <a:ext uri="{FF2B5EF4-FFF2-40B4-BE49-F238E27FC236}">
+                <a16:creationId xmlns:a16="http://schemas.microsoft.com/office/drawing/2014/main" id="{AA22C098-948F-4082-BE6D-9CAE24298FD9}"/>
+              </a:ext>
+            </a:extLst>
+          </p:cNvPr>
+          <p:cNvSpPr/>
+          <p:nvPr/>
+        </p:nvSpPr>
+        <p:spPr>
+          <a:xfrm>
+            <a:off x="796555" y="4714166"/>
+            <a:ext cx="1012371" cy="685800"/>
+          </a:xfrm>
+          <a:prstGeom prst="smileyFace">
+            <a:avLst/>
+          </a:prstGeom>
+        </p:spPr>
+        <p:style>
+          <a:lnRef idx="2">
+            <a:schemeClr val="accent1">
+              <a:shade val="50000"/>
+            </a:schemeClr>
+          </a:lnRef>
+          <a:fillRef idx="1">
+            <a:schemeClr val="accent1"/>
+          </a:fillRef>
+          <a:effectRef idx="0">
+            <a:schemeClr val="accent1"/>
+          </a:effectRef>
+          <a:fontRef idx="minor">
+            <a:schemeClr val="lt1"/>
+          </a:fontRef>
+        </p:style>
+        <p:txBody>
+          <a:bodyPr rtlCol="0" anchor="ctr"/>
+          <a:lstStyle>
+            <a:defPPr>
+              <a:defRPr lang="nl-NL"/>
+            </a:defPPr>
+            <a:lvl1pPr marL="0" algn="l" defTabSz="914400" rtl="0" eaLnBrk="1" latinLnBrk="0" hangingPunct="1">
+              <a:defRPr sz="1800" kern="1200">
+                <a:solidFill>
+                  <a:schemeClr val="lt1"/>
+                </a:solidFill>
+                <a:latin typeface="+mn-lt"/>
+                <a:ea typeface="+mn-ea"/>
+                <a:cs typeface="+mn-cs"/>
+              </a:defRPr>
+            </a:lvl1pPr>
+            <a:lvl2pPr marL="457200" algn="l" defTabSz="914400" rtl="0" eaLnBrk="1" latinLnBrk="0" hangingPunct="1">
+              <a:defRPr sz="1800" kern="1200">
+                <a:solidFill>
+                  <a:schemeClr val="lt1"/>
+                </a:solidFill>
+                <a:latin typeface="+mn-lt"/>
+                <a:ea typeface="+mn-ea"/>
+                <a:cs typeface="+mn-cs"/>
+              </a:defRPr>
+            </a:lvl2pPr>
+            <a:lvl3pPr marL="914400" algn="l" defTabSz="914400" rtl="0" eaLnBrk="1" latinLnBrk="0" hangingPunct="1">
+              <a:defRPr sz="1800" kern="1200">
+                <a:solidFill>
+                  <a:schemeClr val="lt1"/>
+                </a:solidFill>
+                <a:latin typeface="+mn-lt"/>
+                <a:ea typeface="+mn-ea"/>
+                <a:cs typeface="+mn-cs"/>
+              </a:defRPr>
+            </a:lvl3pPr>
+            <a:lvl4pPr marL="1371600" algn="l" defTabSz="914400" rtl="0" eaLnBrk="1" latinLnBrk="0" hangingPunct="1">
+              <a:defRPr sz="1800" kern="1200">
+                <a:solidFill>
+                  <a:schemeClr val="lt1"/>
+                </a:solidFill>
+                <a:latin typeface="+mn-lt"/>
+                <a:ea typeface="+mn-ea"/>
+                <a:cs typeface="+mn-cs"/>
+              </a:defRPr>
+            </a:lvl4pPr>
+            <a:lvl5pPr marL="1828800" algn="l" defTabSz="914400" rtl="0" eaLnBrk="1" latinLnBrk="0" hangingPunct="1">
+              <a:defRPr sz="1800" kern="1200">
+                <a:solidFill>
+                  <a:schemeClr val="lt1"/>
+                </a:solidFill>
+                <a:latin typeface="+mn-lt"/>
+                <a:ea typeface="+mn-ea"/>
+                <a:cs typeface="+mn-cs"/>
+              </a:defRPr>
+            </a:lvl5pPr>
+            <a:lvl6pPr marL="2286000" algn="l" defTabSz="914400" rtl="0" eaLnBrk="1" latinLnBrk="0" hangingPunct="1">
+              <a:defRPr sz="1800" kern="1200">
+                <a:solidFill>
+                  <a:schemeClr val="lt1"/>
+                </a:solidFill>
+                <a:latin typeface="+mn-lt"/>
+                <a:ea typeface="+mn-ea"/>
+                <a:cs typeface="+mn-cs"/>
+              </a:defRPr>
+            </a:lvl6pPr>
+            <a:lvl7pPr marL="2743200" algn="l" defTabSz="914400" rtl="0" eaLnBrk="1" latinLnBrk="0" hangingPunct="1">
+              <a:defRPr sz="1800" kern="1200">
+                <a:solidFill>
+                  <a:schemeClr val="lt1"/>
+                </a:solidFill>
+                <a:latin typeface="+mn-lt"/>
+                <a:ea typeface="+mn-ea"/>
+                <a:cs typeface="+mn-cs"/>
+              </a:defRPr>
+            </a:lvl7pPr>
+            <a:lvl8pPr marL="3200400" algn="l" defTabSz="914400" rtl="0" eaLnBrk="1" latinLnBrk="0" hangingPunct="1">
+              <a:defRPr sz="1800" kern="1200">
+                <a:solidFill>
+                  <a:schemeClr val="lt1"/>
+                </a:solidFill>
+                <a:latin typeface="+mn-lt"/>
+                <a:ea typeface="+mn-ea"/>
+                <a:cs typeface="+mn-cs"/>
+              </a:defRPr>
+            </a:lvl8pPr>
+            <a:lvl9pPr marL="3657600" algn="l" defTabSz="914400" rtl="0" eaLnBrk="1" latinLnBrk="0" hangingPunct="1">
+              <a:defRPr sz="1800" kern="1200">
+                <a:solidFill>
+                  <a:schemeClr val="lt1"/>
+                </a:solidFill>
+                <a:latin typeface="+mn-lt"/>
+                <a:ea typeface="+mn-ea"/>
+                <a:cs typeface="+mn-cs"/>
+              </a:defRPr>
+            </a:lvl9pPr>
+          </a:lstStyle>
+          <a:p>
+            <a:pPr algn="ctr"/>
+            <a:r>
               <a:rPr lang="nl-NL" sz="1400" dirty="0">
                 <a:solidFill>
                   <a:schemeClr val="bg1"/>
@@ -9240,7 +13031,7 @@
 </p:sld>
 </file>
 
-<file path=ppt/slides/slide4.xml><?xml version="1.0" encoding="utf-8"?>
+<file path=ppt/slides/slide5.xml><?xml version="1.0" encoding="utf-8"?>
 <p:sld xmlns:a="http://schemas.openxmlformats.org/drawingml/2006/main" xmlns:r="http://schemas.openxmlformats.org/officeDocument/2006/relationships" xmlns:p="http://schemas.openxmlformats.org/presentationml/2006/main">
   <p:cSld>
     <p:spTree>
